--- a/assets/SoCS SU Organisation Chart - Editable.pptx
+++ b/assets/SoCS SU Organisation Chart - Editable.pptx
@@ -243,7 +243,7 @@
           <a:p>
             <a:fld id="{8EA370C3-DB3A-B74B-BC6D-81BA3E128968}" type="datetimeFigureOut">
               <a:rPr lang="en-US" smtClean="0"/>
-              <a:t>7/22/20</a:t>
+              <a:t>9/12/20</a:t>
             </a:fld>
             <a:endParaRPr lang="en-US"/>
           </a:p>
@@ -413,7 +413,7 @@
           <a:p>
             <a:fld id="{8EA370C3-DB3A-B74B-BC6D-81BA3E128968}" type="datetimeFigureOut">
               <a:rPr lang="en-US" smtClean="0"/>
-              <a:t>7/22/20</a:t>
+              <a:t>9/12/20</a:t>
             </a:fld>
             <a:endParaRPr lang="en-US"/>
           </a:p>
@@ -593,7 +593,7 @@
           <a:p>
             <a:fld id="{8EA370C3-DB3A-B74B-BC6D-81BA3E128968}" type="datetimeFigureOut">
               <a:rPr lang="en-US" smtClean="0"/>
-              <a:t>7/22/20</a:t>
+              <a:t>9/12/20</a:t>
             </a:fld>
             <a:endParaRPr lang="en-US"/>
           </a:p>
@@ -763,7 +763,7 @@
           <a:p>
             <a:fld id="{8EA370C3-DB3A-B74B-BC6D-81BA3E128968}" type="datetimeFigureOut">
               <a:rPr lang="en-US" smtClean="0"/>
-              <a:t>7/22/20</a:t>
+              <a:t>9/12/20</a:t>
             </a:fld>
             <a:endParaRPr lang="en-US"/>
           </a:p>
@@ -1007,7 +1007,7 @@
           <a:p>
             <a:fld id="{8EA370C3-DB3A-B74B-BC6D-81BA3E128968}" type="datetimeFigureOut">
               <a:rPr lang="en-US" smtClean="0"/>
-              <a:t>7/22/20</a:t>
+              <a:t>9/12/20</a:t>
             </a:fld>
             <a:endParaRPr lang="en-US"/>
           </a:p>
@@ -1239,7 +1239,7 @@
           <a:p>
             <a:fld id="{8EA370C3-DB3A-B74B-BC6D-81BA3E128968}" type="datetimeFigureOut">
               <a:rPr lang="en-US" smtClean="0"/>
-              <a:t>7/22/20</a:t>
+              <a:t>9/12/20</a:t>
             </a:fld>
             <a:endParaRPr lang="en-US"/>
           </a:p>
@@ -1606,7 +1606,7 @@
           <a:p>
             <a:fld id="{8EA370C3-DB3A-B74B-BC6D-81BA3E128968}" type="datetimeFigureOut">
               <a:rPr lang="en-US" smtClean="0"/>
-              <a:t>7/22/20</a:t>
+              <a:t>9/12/20</a:t>
             </a:fld>
             <a:endParaRPr lang="en-US"/>
           </a:p>
@@ -1724,7 +1724,7 @@
           <a:p>
             <a:fld id="{8EA370C3-DB3A-B74B-BC6D-81BA3E128968}" type="datetimeFigureOut">
               <a:rPr lang="en-US" smtClean="0"/>
-              <a:t>7/22/20</a:t>
+              <a:t>9/12/20</a:t>
             </a:fld>
             <a:endParaRPr lang="en-US"/>
           </a:p>
@@ -1819,7 +1819,7 @@
           <a:p>
             <a:fld id="{8EA370C3-DB3A-B74B-BC6D-81BA3E128968}" type="datetimeFigureOut">
               <a:rPr lang="en-US" smtClean="0"/>
-              <a:t>7/22/20</a:t>
+              <a:t>9/12/20</a:t>
             </a:fld>
             <a:endParaRPr lang="en-US"/>
           </a:p>
@@ -2096,7 +2096,7 @@
           <a:p>
             <a:fld id="{8EA370C3-DB3A-B74B-BC6D-81BA3E128968}" type="datetimeFigureOut">
               <a:rPr lang="en-US" smtClean="0"/>
-              <a:t>7/22/20</a:t>
+              <a:t>9/12/20</a:t>
             </a:fld>
             <a:endParaRPr lang="en-US"/>
           </a:p>
@@ -2353,7 +2353,7 @@
           <a:p>
             <a:fld id="{8EA370C3-DB3A-B74B-BC6D-81BA3E128968}" type="datetimeFigureOut">
               <a:rPr lang="en-US" smtClean="0"/>
-              <a:t>7/22/20</a:t>
+              <a:t>9/12/20</a:t>
             </a:fld>
             <a:endParaRPr lang="en-US"/>
           </a:p>
@@ -2566,7 +2566,7 @@
           <a:p>
             <a:fld id="{8EA370C3-DB3A-B74B-BC6D-81BA3E128968}" type="datetimeFigureOut">
               <a:rPr lang="en-US" smtClean="0"/>
-              <a:t>7/22/20</a:t>
+              <a:t>9/12/20</a:t>
             </a:fld>
             <a:endParaRPr lang="en-US"/>
           </a:p>
@@ -6000,8 +6000,8 @@
         </p:nvSpPr>
         <p:spPr>
           <a:xfrm>
-            <a:off x="3223770" y="1956040"/>
-            <a:ext cx="895337" cy="338554"/>
+            <a:off x="3244087" y="1909354"/>
+            <a:ext cx="895337" cy="461665"/>
           </a:xfrm>
           <a:prstGeom prst="rect">
             <a:avLst/>
@@ -6017,7 +6017,15 @@
             <a:pPr algn="ctr"/>
             <a:r>
               <a:rPr lang="en-US" sz="800" dirty="0"/>
-              <a:t>Monthly Meetings (tbc)</a:t>
+              <a:t>Monthly Meetings (12</a:t>
+            </a:r>
+            <a:r>
+              <a:rPr lang="en-US" sz="800" baseline="30000" dirty="0"/>
+              <a:t>th</a:t>
+            </a:r>
+            <a:r>
+              <a:rPr lang="en-US" sz="800" dirty="0"/>
+              <a:t> of each Month)</a:t>
             </a:r>
           </a:p>
         </p:txBody>
@@ -6239,7 +6247,7 @@
         <p:spPr>
           <a:xfrm>
             <a:off x="6127599" y="585928"/>
-            <a:ext cx="670420" cy="338554"/>
+            <a:ext cx="670420" cy="461665"/>
           </a:xfrm>
           <a:prstGeom prst="rect">
             <a:avLst/>
@@ -6255,7 +6263,7 @@
             <a:pPr algn="ctr"/>
             <a:r>
               <a:rPr lang="en-US" sz="800" dirty="0"/>
-              <a:t>Meetings (tbc)</a:t>
+              <a:t>Monthly Meetings (tbc)</a:t>
             </a:r>
           </a:p>
         </p:txBody>

--- a/assets/SoCS SU Organisation Chart - Editable.pptx
+++ b/assets/SoCS SU Organisation Chart - Editable.pptx
@@ -243,7 +243,7 @@
           <a:p>
             <a:fld id="{8EA370C3-DB3A-B74B-BC6D-81BA3E128968}" type="datetimeFigureOut">
               <a:rPr lang="en-US" smtClean="0"/>
-              <a:t>9/12/20</a:t>
+              <a:t>2/7/21</a:t>
             </a:fld>
             <a:endParaRPr lang="en-US"/>
           </a:p>
@@ -413,7 +413,7 @@
           <a:p>
             <a:fld id="{8EA370C3-DB3A-B74B-BC6D-81BA3E128968}" type="datetimeFigureOut">
               <a:rPr lang="en-US" smtClean="0"/>
-              <a:t>9/12/20</a:t>
+              <a:t>2/7/21</a:t>
             </a:fld>
             <a:endParaRPr lang="en-US"/>
           </a:p>
@@ -593,7 +593,7 @@
           <a:p>
             <a:fld id="{8EA370C3-DB3A-B74B-BC6D-81BA3E128968}" type="datetimeFigureOut">
               <a:rPr lang="en-US" smtClean="0"/>
-              <a:t>9/12/20</a:t>
+              <a:t>2/7/21</a:t>
             </a:fld>
             <a:endParaRPr lang="en-US"/>
           </a:p>
@@ -763,7 +763,7 @@
           <a:p>
             <a:fld id="{8EA370C3-DB3A-B74B-BC6D-81BA3E128968}" type="datetimeFigureOut">
               <a:rPr lang="en-US" smtClean="0"/>
-              <a:t>9/12/20</a:t>
+              <a:t>2/7/21</a:t>
             </a:fld>
             <a:endParaRPr lang="en-US"/>
           </a:p>
@@ -1007,7 +1007,7 @@
           <a:p>
             <a:fld id="{8EA370C3-DB3A-B74B-BC6D-81BA3E128968}" type="datetimeFigureOut">
               <a:rPr lang="en-US" smtClean="0"/>
-              <a:t>9/12/20</a:t>
+              <a:t>2/7/21</a:t>
             </a:fld>
             <a:endParaRPr lang="en-US"/>
           </a:p>
@@ -1239,7 +1239,7 @@
           <a:p>
             <a:fld id="{8EA370C3-DB3A-B74B-BC6D-81BA3E128968}" type="datetimeFigureOut">
               <a:rPr lang="en-US" smtClean="0"/>
-              <a:t>9/12/20</a:t>
+              <a:t>2/7/21</a:t>
             </a:fld>
             <a:endParaRPr lang="en-US"/>
           </a:p>
@@ -1606,7 +1606,7 @@
           <a:p>
             <a:fld id="{8EA370C3-DB3A-B74B-BC6D-81BA3E128968}" type="datetimeFigureOut">
               <a:rPr lang="en-US" smtClean="0"/>
-              <a:t>9/12/20</a:t>
+              <a:t>2/7/21</a:t>
             </a:fld>
             <a:endParaRPr lang="en-US"/>
           </a:p>
@@ -1724,7 +1724,7 @@
           <a:p>
             <a:fld id="{8EA370C3-DB3A-B74B-BC6D-81BA3E128968}" type="datetimeFigureOut">
               <a:rPr lang="en-US" smtClean="0"/>
-              <a:t>9/12/20</a:t>
+              <a:t>2/7/21</a:t>
             </a:fld>
             <a:endParaRPr lang="en-US"/>
           </a:p>
@@ -1819,7 +1819,7 @@
           <a:p>
             <a:fld id="{8EA370C3-DB3A-B74B-BC6D-81BA3E128968}" type="datetimeFigureOut">
               <a:rPr lang="en-US" smtClean="0"/>
-              <a:t>9/12/20</a:t>
+              <a:t>2/7/21</a:t>
             </a:fld>
             <a:endParaRPr lang="en-US"/>
           </a:p>
@@ -2096,7 +2096,7 @@
           <a:p>
             <a:fld id="{8EA370C3-DB3A-B74B-BC6D-81BA3E128968}" type="datetimeFigureOut">
               <a:rPr lang="en-US" smtClean="0"/>
-              <a:t>9/12/20</a:t>
+              <a:t>2/7/21</a:t>
             </a:fld>
             <a:endParaRPr lang="en-US"/>
           </a:p>
@@ -2353,7 +2353,7 @@
           <a:p>
             <a:fld id="{8EA370C3-DB3A-B74B-BC6D-81BA3E128968}" type="datetimeFigureOut">
               <a:rPr lang="en-US" smtClean="0"/>
-              <a:t>9/12/20</a:t>
+              <a:t>2/7/21</a:t>
             </a:fld>
             <a:endParaRPr lang="en-US"/>
           </a:p>
@@ -2566,7 +2566,7 @@
           <a:p>
             <a:fld id="{8EA370C3-DB3A-B74B-BC6D-81BA3E128968}" type="datetimeFigureOut">
               <a:rPr lang="en-US" smtClean="0"/>
-              <a:t>9/12/20</a:t>
+              <a:t>2/7/21</a:t>
             </a:fld>
             <a:endParaRPr lang="en-US"/>
           </a:p>
@@ -2985,7 +2985,7 @@
         </p:nvSpPr>
         <p:spPr>
           <a:xfrm>
-            <a:off x="0" y="-18009"/>
+            <a:off x="0" y="0"/>
             <a:ext cx="9144000" cy="6858000"/>
           </a:xfrm>
           <a:prstGeom prst="rect">
@@ -3276,7 +3276,7 @@
         </p:nvSpPr>
         <p:spPr>
           <a:xfrm>
-            <a:off x="3205654" y="5588866"/>
+            <a:off x="2777989" y="5596318"/>
             <a:ext cx="1124607" cy="580703"/>
           </a:xfrm>
           <a:prstGeom prst="roundRect">
@@ -3365,7 +3365,7 @@
         </p:nvSpPr>
         <p:spPr>
           <a:xfrm>
-            <a:off x="4482661" y="5588866"/>
+            <a:off x="3962690" y="5596318"/>
             <a:ext cx="1124607" cy="580703"/>
           </a:xfrm>
           <a:prstGeom prst="roundRect">
@@ -3454,7 +3454,7 @@
         </p:nvSpPr>
         <p:spPr>
           <a:xfrm>
-            <a:off x="5759668" y="5588866"/>
+            <a:off x="5147391" y="5596318"/>
             <a:ext cx="1124607" cy="580703"/>
           </a:xfrm>
           <a:prstGeom prst="roundRect">
@@ -3564,7 +3564,7 @@
         </p:nvSpPr>
         <p:spPr>
           <a:xfrm>
-            <a:off x="1771647" y="5588866"/>
+            <a:off x="1436288" y="5588865"/>
             <a:ext cx="1281607" cy="580703"/>
           </a:xfrm>
           <a:prstGeom prst="roundRect">
@@ -3653,7 +3653,7 @@
         </p:nvSpPr>
         <p:spPr>
           <a:xfrm>
-            <a:off x="7036675" y="5588866"/>
+            <a:off x="6332092" y="5596318"/>
             <a:ext cx="1124607" cy="580703"/>
           </a:xfrm>
           <a:prstGeom prst="roundRect">
@@ -3968,37 +3968,8 @@
                   <a:schemeClr val="tx1"/>
                 </a:solidFill>
               </a:rPr>
-              <a:t>Dr </a:t>
-            </a:r>
-            <a:r>
-              <a:rPr lang="en-US" sz="800" b="1" dirty="0" err="1">
-                <a:solidFill>
-                  <a:schemeClr val="tx1"/>
-                </a:solidFill>
-              </a:rPr>
-              <a:t>Horia</a:t>
-            </a:r>
-            <a:r>
-              <a:rPr lang="en-US" sz="800" b="1" dirty="0">
-                <a:solidFill>
-                  <a:schemeClr val="tx1"/>
-                </a:solidFill>
-              </a:rPr>
-              <a:t> </a:t>
-            </a:r>
-            <a:r>
-              <a:rPr lang="en-US" sz="800" b="1" dirty="0" err="1">
-                <a:solidFill>
-                  <a:schemeClr val="tx1"/>
-                </a:solidFill>
-              </a:rPr>
-              <a:t>Maior</a:t>
-            </a:r>
-            <a:endParaRPr lang="en-US" sz="800" b="1" dirty="0">
-              <a:solidFill>
-                <a:schemeClr val="tx1"/>
-              </a:solidFill>
-            </a:endParaRPr>
+              <a:t>TBC</a:t>
+            </a:r>
           </a:p>
           <a:p>
             <a:pPr algn="ctr"/>
@@ -4083,9 +4054,9 @@
           <p:nvPr/>
         </p:nvCxnSpPr>
         <p:spPr>
-          <a:xfrm>
-            <a:off x="2412451" y="5234143"/>
-            <a:ext cx="5186526" cy="0"/>
+          <a:xfrm flipV="1">
+            <a:off x="686048" y="5244855"/>
+            <a:ext cx="7368105" cy="5576"/>
           </a:xfrm>
           <a:prstGeom prst="line">
             <a:avLst/>
@@ -4125,13 +4096,12 @@
           </p:cNvPr>
           <p:cNvCxnSpPr>
             <a:cxnSpLocks/>
-            <a:endCxn id="11" idx="0"/>
           </p:cNvCxnSpPr>
           <p:nvPr/>
         </p:nvCxnSpPr>
         <p:spPr>
           <a:xfrm flipH="1">
-            <a:off x="2412451" y="5234142"/>
+            <a:off x="2087843" y="5258466"/>
             <a:ext cx="1" cy="354724"/>
           </a:xfrm>
           <a:prstGeom prst="line">
@@ -4177,7 +4147,7 @@
         </p:nvCxnSpPr>
         <p:spPr>
           <a:xfrm>
-            <a:off x="3767957" y="5234143"/>
+            <a:off x="3335329" y="5255499"/>
             <a:ext cx="1" cy="354724"/>
           </a:xfrm>
           <a:prstGeom prst="line">
@@ -4218,15 +4188,13 @@
           </p:cNvPr>
           <p:cNvCxnSpPr>
             <a:cxnSpLocks/>
-            <a:stCxn id="7" idx="2"/>
-            <a:endCxn id="9" idx="0"/>
           </p:cNvCxnSpPr>
           <p:nvPr/>
         </p:nvCxnSpPr>
         <p:spPr>
-          <a:xfrm>
-            <a:off x="5044965" y="3727230"/>
-            <a:ext cx="0" cy="1861636"/>
+          <a:xfrm flipH="1">
+            <a:off x="5043020" y="3743800"/>
+            <a:ext cx="593" cy="1514666"/>
           </a:xfrm>
           <a:prstGeom prst="line">
             <a:avLst/>
@@ -4271,7 +4239,7 @@
         </p:nvCxnSpPr>
         <p:spPr>
           <a:xfrm>
-            <a:off x="6321969" y="5234143"/>
+            <a:off x="6873578" y="5250430"/>
             <a:ext cx="1" cy="354724"/>
           </a:xfrm>
           <a:prstGeom prst="line">
@@ -4317,7 +4285,7 @@
         </p:nvCxnSpPr>
         <p:spPr>
           <a:xfrm>
-            <a:off x="7604227" y="5234143"/>
+            <a:off x="8046984" y="5241594"/>
             <a:ext cx="1" cy="354724"/>
           </a:xfrm>
           <a:prstGeom prst="line">
@@ -4547,7 +4515,7 @@
         </p:nvCxnSpPr>
         <p:spPr>
           <a:xfrm>
-            <a:off x="8220669" y="3536381"/>
+            <a:off x="8220669" y="3513134"/>
             <a:ext cx="1" cy="354724"/>
           </a:xfrm>
           <a:prstGeom prst="line">
@@ -5771,8 +5739,8 @@
         </p:nvSpPr>
         <p:spPr>
           <a:xfrm>
-            <a:off x="4009697" y="5002917"/>
-            <a:ext cx="2312272" cy="215444"/>
+            <a:off x="3245791" y="4889196"/>
+            <a:ext cx="1901593" cy="338554"/>
           </a:xfrm>
           <a:prstGeom prst="rect">
             <a:avLst/>
@@ -5787,7 +5755,11 @@
           <a:p>
             <a:r>
               <a:rPr lang="en-US" sz="800" dirty="0"/>
-              <a:t>Working with course reps across each year group</a:t>
+              <a:t>Working with course reps across each year group </a:t>
+            </a:r>
+            <a:r>
+              <a:rPr lang="en-US" sz="800" i="1" dirty="0"/>
+              <a:t>(the best team in the world!)</a:t>
             </a:r>
           </a:p>
         </p:txBody>
@@ -5849,7 +5821,7 @@
         </p:nvSpPr>
         <p:spPr>
           <a:xfrm>
-            <a:off x="127119" y="1317747"/>
+            <a:off x="119370" y="1317747"/>
             <a:ext cx="2389111" cy="215444"/>
           </a:xfrm>
           <a:prstGeom prst="rect">
@@ -5885,7 +5857,7 @@
         <p:spPr>
           <a:xfrm>
             <a:off x="6867168" y="3078199"/>
-            <a:ext cx="895337" cy="461665"/>
+            <a:ext cx="895337" cy="338554"/>
           </a:xfrm>
           <a:prstGeom prst="rect">
             <a:avLst/>
@@ -5901,7 +5873,7 @@
             <a:pPr algn="ctr"/>
             <a:r>
               <a:rPr lang="en-US" sz="800" dirty="0"/>
-              <a:t>Weekly Meetings (Fridays)</a:t>
+              <a:t>Weekly Meetings</a:t>
             </a:r>
           </a:p>
         </p:txBody>
@@ -5921,7 +5893,7 @@
         <p:spPr>
           <a:xfrm>
             <a:off x="6868465" y="3855929"/>
-            <a:ext cx="895337" cy="461665"/>
+            <a:ext cx="895337" cy="338554"/>
           </a:xfrm>
           <a:prstGeom prst="rect">
             <a:avLst/>
@@ -5937,7 +5909,7 @@
             <a:pPr algn="ctr"/>
             <a:r>
               <a:rPr lang="en-US" sz="800" dirty="0"/>
-              <a:t>Weekly Meetings (Mondays)</a:t>
+              <a:t>Weekly Meetings</a:t>
             </a:r>
           </a:p>
         </p:txBody>
@@ -6044,8 +6016,8 @@
         </p:nvSpPr>
         <p:spPr>
           <a:xfrm>
-            <a:off x="4524701" y="3731508"/>
-            <a:ext cx="1163088" cy="215444"/>
+            <a:off x="4382581" y="3717948"/>
+            <a:ext cx="795799" cy="338554"/>
           </a:xfrm>
           <a:prstGeom prst="rect">
             <a:avLst/>
@@ -6247,7 +6219,7 @@
         <p:spPr>
           <a:xfrm>
             <a:off x="6127599" y="585928"/>
-            <a:ext cx="670420" cy="461665"/>
+            <a:ext cx="670420" cy="338554"/>
           </a:xfrm>
           <a:prstGeom prst="rect">
             <a:avLst/>
@@ -6263,7 +6235,7 @@
             <a:pPr algn="ctr"/>
             <a:r>
               <a:rPr lang="en-US" sz="800" dirty="0"/>
-              <a:t>Monthly Meetings (tbc)</a:t>
+              <a:t>Monthly Meetings</a:t>
             </a:r>
           </a:p>
         </p:txBody>
@@ -6553,8 +6525,8 @@
         </p:nvCxnSpPr>
         <p:spPr>
           <a:xfrm>
-            <a:off x="5064205" y="4406076"/>
-            <a:ext cx="1063394" cy="0"/>
+            <a:off x="5043020" y="4406076"/>
+            <a:ext cx="1084579" cy="0"/>
           </a:xfrm>
           <a:prstGeom prst="line">
             <a:avLst/>
@@ -6597,7 +6569,7 @@
         </p:nvSpPr>
         <p:spPr>
           <a:xfrm>
-            <a:off x="5064205" y="4209394"/>
+            <a:off x="5053040" y="4190857"/>
             <a:ext cx="965220" cy="215444"/>
           </a:xfrm>
           <a:prstGeom prst="rect">
@@ -6621,6 +6593,381 @@
               <a:t>SoCS</a:t>
             </a:r>
             <a:endParaRPr lang="en-US" sz="800" dirty="0"/>
+          </a:p>
+        </p:txBody>
+      </p:sp>
+      <p:sp>
+        <p:nvSpPr>
+          <p:cNvPr id="73" name="Rounded Rectangle 72">
+            <a:extLst>
+              <a:ext uri="{FF2B5EF4-FFF2-40B4-BE49-F238E27FC236}">
+                <a16:creationId xmlns:a16="http://schemas.microsoft.com/office/drawing/2014/main" id="{060E7E2C-DC83-AB45-BB30-4D3E4DF8E663}"/>
+              </a:ext>
+            </a:extLst>
+          </p:cNvPr>
+          <p:cNvSpPr/>
+          <p:nvPr/>
+        </p:nvSpPr>
+        <p:spPr>
+          <a:xfrm>
+            <a:off x="94587" y="5588866"/>
+            <a:ext cx="1281607" cy="580703"/>
+          </a:xfrm>
+          <a:prstGeom prst="roundRect">
+            <a:avLst>
+              <a:gd name="adj" fmla="val 9350"/>
+            </a:avLst>
+          </a:prstGeom>
+          <a:solidFill>
+            <a:schemeClr val="bg1"/>
+          </a:solidFill>
+          <a:ln>
+            <a:solidFill>
+              <a:schemeClr val="accent4">
+                <a:lumMod val="75000"/>
+              </a:schemeClr>
+            </a:solidFill>
+          </a:ln>
+        </p:spPr>
+        <p:style>
+          <a:lnRef idx="2">
+            <a:schemeClr val="accent1">
+              <a:shade val="50000"/>
+            </a:schemeClr>
+          </a:lnRef>
+          <a:fillRef idx="1">
+            <a:schemeClr val="accent1"/>
+          </a:fillRef>
+          <a:effectRef idx="0">
+            <a:schemeClr val="accent1"/>
+          </a:effectRef>
+          <a:fontRef idx="minor">
+            <a:schemeClr val="lt1"/>
+          </a:fontRef>
+        </p:style>
+        <p:txBody>
+          <a:bodyPr rtlCol="0" anchor="ctr"/>
+          <a:lstStyle/>
+          <a:p>
+            <a:pPr algn="ctr"/>
+            <a:r>
+              <a:rPr lang="en-US" sz="800" b="1" dirty="0">
+                <a:solidFill>
+                  <a:schemeClr val="tx1"/>
+                </a:solidFill>
+              </a:rPr>
+              <a:t>Stewart Leonard</a:t>
+            </a:r>
+          </a:p>
+          <a:p>
+            <a:pPr algn="ctr"/>
+            <a:r>
+              <a:rPr lang="en-US" sz="800" dirty="0">
+                <a:solidFill>
+                  <a:schemeClr val="tx1"/>
+                </a:solidFill>
+              </a:rPr>
+              <a:t>Course Rep – MSc</a:t>
+            </a:r>
+          </a:p>
+        </p:txBody>
+      </p:sp>
+      <p:sp>
+        <p:nvSpPr>
+          <p:cNvPr id="79" name="TextBox 78">
+            <a:extLst>
+              <a:ext uri="{FF2B5EF4-FFF2-40B4-BE49-F238E27FC236}">
+                <a16:creationId xmlns:a16="http://schemas.microsoft.com/office/drawing/2014/main" id="{8072A494-D992-0545-8FE3-ABFDC943F46E}"/>
+              </a:ext>
+            </a:extLst>
+          </p:cNvPr>
+          <p:cNvSpPr txBox="1"/>
+          <p:nvPr/>
+        </p:nvSpPr>
+        <p:spPr>
+          <a:xfrm>
+            <a:off x="6134696" y="1098282"/>
+            <a:ext cx="670420" cy="338554"/>
+          </a:xfrm>
+          <a:prstGeom prst="rect">
+            <a:avLst/>
+          </a:prstGeom>
+          <a:noFill/>
+        </p:spPr>
+        <p:txBody>
+          <a:bodyPr wrap="square" rtlCol="0">
+            <a:spAutoFit/>
+          </a:bodyPr>
+          <a:lstStyle/>
+          <a:p>
+            <a:pPr algn="ctr"/>
+            <a:r>
+              <a:rPr lang="en-US" sz="800" dirty="0"/>
+              <a:t>Monthly Meetings</a:t>
+            </a:r>
+          </a:p>
+        </p:txBody>
+      </p:sp>
+      <p:sp>
+        <p:nvSpPr>
+          <p:cNvPr id="80" name="Rounded Rectangle 79">
+            <a:extLst>
+              <a:ext uri="{FF2B5EF4-FFF2-40B4-BE49-F238E27FC236}">
+                <a16:creationId xmlns:a16="http://schemas.microsoft.com/office/drawing/2014/main" id="{DA9F8537-1A8C-454B-AC05-ADCC8983A83D}"/>
+              </a:ext>
+            </a:extLst>
+          </p:cNvPr>
+          <p:cNvSpPr/>
+          <p:nvPr/>
+        </p:nvSpPr>
+        <p:spPr>
+          <a:xfrm>
+            <a:off x="7516854" y="5588865"/>
+            <a:ext cx="1281607" cy="580703"/>
+          </a:xfrm>
+          <a:prstGeom prst="roundRect">
+            <a:avLst>
+              <a:gd name="adj" fmla="val 9350"/>
+            </a:avLst>
+          </a:prstGeom>
+          <a:solidFill>
+            <a:schemeClr val="bg1"/>
+          </a:solidFill>
+          <a:ln>
+            <a:solidFill>
+              <a:schemeClr val="accent4">
+                <a:lumMod val="75000"/>
+              </a:schemeClr>
+            </a:solidFill>
+          </a:ln>
+        </p:spPr>
+        <p:style>
+          <a:lnRef idx="2">
+            <a:schemeClr val="accent1">
+              <a:shade val="50000"/>
+            </a:schemeClr>
+          </a:lnRef>
+          <a:fillRef idx="1">
+            <a:schemeClr val="accent1"/>
+          </a:fillRef>
+          <a:effectRef idx="0">
+            <a:schemeClr val="accent1"/>
+          </a:effectRef>
+          <a:fontRef idx="minor">
+            <a:schemeClr val="lt1"/>
+          </a:fontRef>
+        </p:style>
+        <p:txBody>
+          <a:bodyPr rtlCol="0" anchor="ctr"/>
+          <a:lstStyle/>
+          <a:p>
+            <a:pPr algn="ctr"/>
+            <a:r>
+              <a:rPr lang="en-US" sz="800" b="1" dirty="0">
+                <a:solidFill>
+                  <a:schemeClr val="tx1"/>
+                </a:solidFill>
+              </a:rPr>
+              <a:t>Ellie Broome</a:t>
+            </a:r>
+          </a:p>
+          <a:p>
+            <a:pPr algn="ctr"/>
+            <a:r>
+              <a:rPr lang="en-US" sz="800" dirty="0">
+                <a:solidFill>
+                  <a:schemeClr val="tx1"/>
+                </a:solidFill>
+              </a:rPr>
+              <a:t>Course Rep – </a:t>
+            </a:r>
+            <a:r>
+              <a:rPr lang="en-US" sz="800" dirty="0" err="1">
+                <a:solidFill>
+                  <a:schemeClr val="tx1"/>
+                </a:solidFill>
+              </a:rPr>
+              <a:t>Y1</a:t>
+            </a:r>
+            <a:endParaRPr lang="en-US" sz="800" dirty="0">
+              <a:solidFill>
+                <a:schemeClr val="tx1"/>
+              </a:solidFill>
+            </a:endParaRPr>
+          </a:p>
+        </p:txBody>
+      </p:sp>
+      <p:cxnSp>
+        <p:nvCxnSpPr>
+          <p:cNvPr id="81" name="Straight Connector 80">
+            <a:extLst>
+              <a:ext uri="{FF2B5EF4-FFF2-40B4-BE49-F238E27FC236}">
+                <a16:creationId xmlns:a16="http://schemas.microsoft.com/office/drawing/2014/main" id="{FA469324-17CE-2548-8239-0D1E46C13998}"/>
+              </a:ext>
+            </a:extLst>
+          </p:cNvPr>
+          <p:cNvCxnSpPr>
+            <a:cxnSpLocks/>
+          </p:cNvCxnSpPr>
+          <p:nvPr/>
+        </p:nvCxnSpPr>
+        <p:spPr>
+          <a:xfrm flipH="1">
+            <a:off x="686048" y="5250430"/>
+            <a:ext cx="1" cy="354724"/>
+          </a:xfrm>
+          <a:prstGeom prst="line">
+            <a:avLst/>
+          </a:prstGeom>
+          <a:ln>
+            <a:solidFill>
+              <a:schemeClr val="bg1">
+                <a:lumMod val="50000"/>
+              </a:schemeClr>
+            </a:solidFill>
+            <a:prstDash val="dash"/>
+          </a:ln>
+        </p:spPr>
+        <p:style>
+          <a:lnRef idx="1">
+            <a:schemeClr val="accent1"/>
+          </a:lnRef>
+          <a:fillRef idx="0">
+            <a:schemeClr val="accent1"/>
+          </a:fillRef>
+          <a:effectRef idx="0">
+            <a:schemeClr val="accent1"/>
+          </a:effectRef>
+          <a:fontRef idx="minor">
+            <a:schemeClr val="tx1"/>
+          </a:fontRef>
+        </p:style>
+      </p:cxnSp>
+      <p:cxnSp>
+        <p:nvCxnSpPr>
+          <p:cNvPr id="82" name="Straight Connector 81">
+            <a:extLst>
+              <a:ext uri="{FF2B5EF4-FFF2-40B4-BE49-F238E27FC236}">
+                <a16:creationId xmlns:a16="http://schemas.microsoft.com/office/drawing/2014/main" id="{CE7ABC7D-508F-8A40-B67F-03C09D487230}"/>
+              </a:ext>
+            </a:extLst>
+          </p:cNvPr>
+          <p:cNvCxnSpPr>
+            <a:cxnSpLocks/>
+          </p:cNvCxnSpPr>
+          <p:nvPr/>
+        </p:nvCxnSpPr>
+        <p:spPr>
+          <a:xfrm>
+            <a:off x="4767543" y="5250430"/>
+            <a:ext cx="1" cy="354724"/>
+          </a:xfrm>
+          <a:prstGeom prst="line">
+            <a:avLst/>
+          </a:prstGeom>
+          <a:ln>
+            <a:solidFill>
+              <a:schemeClr val="bg1">
+                <a:lumMod val="50000"/>
+              </a:schemeClr>
+            </a:solidFill>
+            <a:prstDash val="dash"/>
+          </a:ln>
+        </p:spPr>
+        <p:style>
+          <a:lnRef idx="1">
+            <a:schemeClr val="accent1"/>
+          </a:lnRef>
+          <a:fillRef idx="0">
+            <a:schemeClr val="accent1"/>
+          </a:fillRef>
+          <a:effectRef idx="0">
+            <a:schemeClr val="accent1"/>
+          </a:effectRef>
+          <a:fontRef idx="minor">
+            <a:schemeClr val="tx1"/>
+          </a:fontRef>
+        </p:style>
+      </p:cxnSp>
+      <p:cxnSp>
+        <p:nvCxnSpPr>
+          <p:cNvPr id="83" name="Straight Connector 82">
+            <a:extLst>
+              <a:ext uri="{FF2B5EF4-FFF2-40B4-BE49-F238E27FC236}">
+                <a16:creationId xmlns:a16="http://schemas.microsoft.com/office/drawing/2014/main" id="{7CEB3214-A811-3F4C-A15C-575554487435}"/>
+              </a:ext>
+            </a:extLst>
+          </p:cNvPr>
+          <p:cNvCxnSpPr>
+            <a:cxnSpLocks/>
+          </p:cNvCxnSpPr>
+          <p:nvPr/>
+        </p:nvCxnSpPr>
+        <p:spPr>
+          <a:xfrm>
+            <a:off x="5709694" y="5244855"/>
+            <a:ext cx="1" cy="354724"/>
+          </a:xfrm>
+          <a:prstGeom prst="line">
+            <a:avLst/>
+          </a:prstGeom>
+          <a:ln>
+            <a:solidFill>
+              <a:schemeClr val="bg1">
+                <a:lumMod val="50000"/>
+              </a:schemeClr>
+            </a:solidFill>
+            <a:prstDash val="dash"/>
+          </a:ln>
+        </p:spPr>
+        <p:style>
+          <a:lnRef idx="1">
+            <a:schemeClr val="accent1"/>
+          </a:lnRef>
+          <a:fillRef idx="0">
+            <a:schemeClr val="accent1"/>
+          </a:fillRef>
+          <a:effectRef idx="0">
+            <a:schemeClr val="accent1"/>
+          </a:effectRef>
+          <a:fontRef idx="minor">
+            <a:schemeClr val="tx1"/>
+          </a:fontRef>
+        </p:style>
+      </p:cxnSp>
+      <p:sp>
+        <p:nvSpPr>
+          <p:cNvPr id="84" name="TextBox 83">
+            <a:extLst>
+              <a:ext uri="{FF2B5EF4-FFF2-40B4-BE49-F238E27FC236}">
+                <a16:creationId xmlns:a16="http://schemas.microsoft.com/office/drawing/2014/main" id="{ABDD885F-DA54-384D-9E39-7DC30045E2FB}"/>
+              </a:ext>
+            </a:extLst>
+          </p:cNvPr>
+          <p:cNvSpPr txBox="1"/>
+          <p:nvPr/>
+        </p:nvSpPr>
+        <p:spPr>
+          <a:xfrm>
+            <a:off x="1627251" y="737915"/>
+            <a:ext cx="624933" cy="338554"/>
+          </a:xfrm>
+          <a:prstGeom prst="rect">
+            <a:avLst/>
+          </a:prstGeom>
+          <a:noFill/>
+        </p:spPr>
+        <p:txBody>
+          <a:bodyPr wrap="square" rtlCol="0">
+            <a:spAutoFit/>
+          </a:bodyPr>
+          <a:lstStyle/>
+          <a:p>
+            <a:pPr algn="ctr"/>
+            <a:r>
+              <a:rPr lang="en-US" sz="800" dirty="0"/>
+              <a:t>Monthly Meetings</a:t>
+            </a:r>
           </a:p>
         </p:txBody>
       </p:sp>

--- a/assets/SoCS SU Organisation Chart - Editable.pptx
+++ b/assets/SoCS SU Organisation Chart - Editable.pptx
@@ -243,7 +243,7 @@
           <a:p>
             <a:fld id="{8EA370C3-DB3A-B74B-BC6D-81BA3E128968}" type="datetimeFigureOut">
               <a:rPr lang="en-US" smtClean="0"/>
-              <a:t>2/7/21</a:t>
+              <a:t>6/27/2021</a:t>
             </a:fld>
             <a:endParaRPr lang="en-US"/>
           </a:p>
@@ -413,7 +413,7 @@
           <a:p>
             <a:fld id="{8EA370C3-DB3A-B74B-BC6D-81BA3E128968}" type="datetimeFigureOut">
               <a:rPr lang="en-US" smtClean="0"/>
-              <a:t>2/7/21</a:t>
+              <a:t>6/27/2021</a:t>
             </a:fld>
             <a:endParaRPr lang="en-US"/>
           </a:p>
@@ -593,7 +593,7 @@
           <a:p>
             <a:fld id="{8EA370C3-DB3A-B74B-BC6D-81BA3E128968}" type="datetimeFigureOut">
               <a:rPr lang="en-US" smtClean="0"/>
-              <a:t>2/7/21</a:t>
+              <a:t>6/27/2021</a:t>
             </a:fld>
             <a:endParaRPr lang="en-US"/>
           </a:p>
@@ -763,7 +763,7 @@
           <a:p>
             <a:fld id="{8EA370C3-DB3A-B74B-BC6D-81BA3E128968}" type="datetimeFigureOut">
               <a:rPr lang="en-US" smtClean="0"/>
-              <a:t>2/7/21</a:t>
+              <a:t>6/27/2021</a:t>
             </a:fld>
             <a:endParaRPr lang="en-US"/>
           </a:p>
@@ -1007,7 +1007,7 @@
           <a:p>
             <a:fld id="{8EA370C3-DB3A-B74B-BC6D-81BA3E128968}" type="datetimeFigureOut">
               <a:rPr lang="en-US" smtClean="0"/>
-              <a:t>2/7/21</a:t>
+              <a:t>6/27/2021</a:t>
             </a:fld>
             <a:endParaRPr lang="en-US"/>
           </a:p>
@@ -1239,7 +1239,7 @@
           <a:p>
             <a:fld id="{8EA370C3-DB3A-B74B-BC6D-81BA3E128968}" type="datetimeFigureOut">
               <a:rPr lang="en-US" smtClean="0"/>
-              <a:t>2/7/21</a:t>
+              <a:t>6/27/2021</a:t>
             </a:fld>
             <a:endParaRPr lang="en-US"/>
           </a:p>
@@ -1606,7 +1606,7 @@
           <a:p>
             <a:fld id="{8EA370C3-DB3A-B74B-BC6D-81BA3E128968}" type="datetimeFigureOut">
               <a:rPr lang="en-US" smtClean="0"/>
-              <a:t>2/7/21</a:t>
+              <a:t>6/27/2021</a:t>
             </a:fld>
             <a:endParaRPr lang="en-US"/>
           </a:p>
@@ -1724,7 +1724,7 @@
           <a:p>
             <a:fld id="{8EA370C3-DB3A-B74B-BC6D-81BA3E128968}" type="datetimeFigureOut">
               <a:rPr lang="en-US" smtClean="0"/>
-              <a:t>2/7/21</a:t>
+              <a:t>6/27/2021</a:t>
             </a:fld>
             <a:endParaRPr lang="en-US"/>
           </a:p>
@@ -1819,7 +1819,7 @@
           <a:p>
             <a:fld id="{8EA370C3-DB3A-B74B-BC6D-81BA3E128968}" type="datetimeFigureOut">
               <a:rPr lang="en-US" smtClean="0"/>
-              <a:t>2/7/21</a:t>
+              <a:t>6/27/2021</a:t>
             </a:fld>
             <a:endParaRPr lang="en-US"/>
           </a:p>
@@ -2096,7 +2096,7 @@
           <a:p>
             <a:fld id="{8EA370C3-DB3A-B74B-BC6D-81BA3E128968}" type="datetimeFigureOut">
               <a:rPr lang="en-US" smtClean="0"/>
-              <a:t>2/7/21</a:t>
+              <a:t>6/27/2021</a:t>
             </a:fld>
             <a:endParaRPr lang="en-US"/>
           </a:p>
@@ -2353,7 +2353,7 @@
           <a:p>
             <a:fld id="{8EA370C3-DB3A-B74B-BC6D-81BA3E128968}" type="datetimeFigureOut">
               <a:rPr lang="en-US" smtClean="0"/>
-              <a:t>2/7/21</a:t>
+              <a:t>6/27/2021</a:t>
             </a:fld>
             <a:endParaRPr lang="en-US"/>
           </a:p>
@@ -2566,7 +2566,7 @@
           <a:p>
             <a:fld id="{8EA370C3-DB3A-B74B-BC6D-81BA3E128968}" type="datetimeFigureOut">
               <a:rPr lang="en-US" smtClean="0"/>
-              <a:t>2/7/21</a:t>
+              <a:t>6/27/2021</a:t>
             </a:fld>
             <a:endParaRPr lang="en-US"/>
           </a:p>
@@ -2957,6 +2957,14 @@
 <file path=ppt/slides/slide1.xml><?xml version="1.0" encoding="utf-8"?>
 <p:sld xmlns:a="http://schemas.openxmlformats.org/drawingml/2006/main" xmlns:r="http://schemas.openxmlformats.org/officeDocument/2006/relationships" xmlns:p="http://schemas.openxmlformats.org/presentationml/2006/main">
   <p:cSld>
+    <p:bg>
+      <p:bgPr>
+        <a:solidFill>
+          <a:srgbClr val="F5F5F5"/>
+        </a:solidFill>
+        <a:effectLst/>
+      </p:bgPr>
+    </p:bg>
     <p:spTree>
       <p:nvGrpSpPr>
         <p:cNvPr id="1" name=""/>
@@ -2971,61 +2979,6 @@
           <a:chExt cx="0" cy="0"/>
         </a:xfrm>
       </p:grpSpPr>
-      <p:sp>
-        <p:nvSpPr>
-          <p:cNvPr id="2" name="Rectangle 1">
-            <a:extLst>
-              <a:ext uri="{FF2B5EF4-FFF2-40B4-BE49-F238E27FC236}">
-                <a16:creationId xmlns:a16="http://schemas.microsoft.com/office/drawing/2014/main" id="{E6897DE7-35A7-DC46-BB94-1AD43A4BAE85}"/>
-              </a:ext>
-            </a:extLst>
-          </p:cNvPr>
-          <p:cNvSpPr/>
-          <p:nvPr/>
-        </p:nvSpPr>
-        <p:spPr>
-          <a:xfrm>
-            <a:off x="0" y="0"/>
-            <a:ext cx="9144000" cy="6858000"/>
-          </a:xfrm>
-          <a:prstGeom prst="rect">
-            <a:avLst/>
-          </a:prstGeom>
-          <a:solidFill>
-            <a:schemeClr val="bg1">
-              <a:lumMod val="85000"/>
-              <a:alpha val="22000"/>
-            </a:schemeClr>
-          </a:solidFill>
-          <a:ln>
-            <a:noFill/>
-          </a:ln>
-        </p:spPr>
-        <p:style>
-          <a:lnRef idx="2">
-            <a:schemeClr val="accent1">
-              <a:shade val="50000"/>
-            </a:schemeClr>
-          </a:lnRef>
-          <a:fillRef idx="1">
-            <a:schemeClr val="accent1"/>
-          </a:fillRef>
-          <a:effectRef idx="0">
-            <a:schemeClr val="accent1"/>
-          </a:effectRef>
-          <a:fontRef idx="minor">
-            <a:schemeClr val="lt1"/>
-          </a:fontRef>
-        </p:style>
-        <p:txBody>
-          <a:bodyPr rtlCol="0" anchor="ctr"/>
-          <a:lstStyle/>
-          <a:p>
-            <a:pPr algn="ctr"/>
-            <a:endParaRPr lang="en-US"/>
-          </a:p>
-        </p:txBody>
-      </p:sp>
       <p:sp>
         <p:nvSpPr>
           <p:cNvPr id="5" name="Rounded Rectangle 4">
@@ -3086,7 +3039,7 @@
                   <a:schemeClr val="tx1"/>
                 </a:solidFill>
               </a:rPr>
-              <a:t>Georgia Petts</a:t>
+              <a:t>Talia Adams</a:t>
             </a:r>
           </a:p>
           <a:p>
@@ -3162,26 +3115,18 @@
                   <a:schemeClr val="tx1"/>
                 </a:solidFill>
               </a:rPr>
-              <a:t>Jack Eames</a:t>
+              <a:t>Owen Liggins</a:t>
             </a:r>
           </a:p>
           <a:p>
             <a:pPr algn="ctr"/>
-            <a:r>
-              <a:rPr lang="en-US" sz="800" dirty="0" err="1">
-                <a:solidFill>
-                  <a:schemeClr val="tx1"/>
-                </a:solidFill>
-              </a:rPr>
-              <a:t>CoS</a:t>
-            </a:r>
             <a:r>
               <a:rPr lang="en-US" sz="800" dirty="0">
                 <a:solidFill>
                   <a:schemeClr val="tx1"/>
                 </a:solidFill>
               </a:rPr>
-              <a:t> Officer</a:t>
+              <a:t>CoS Officer</a:t>
             </a:r>
           </a:p>
         </p:txBody>
@@ -3246,7 +3191,7 @@
                   <a:schemeClr val="tx1"/>
                 </a:solidFill>
               </a:rPr>
-              <a:t>Garry Clawson</a:t>
+              <a:t>William Oldham</a:t>
             </a:r>
           </a:p>
           <a:p>
@@ -3322,7 +3267,7 @@
                   <a:schemeClr val="tx1"/>
                 </a:solidFill>
               </a:rPr>
-              <a:t>Nicholas Carl Jackson</a:t>
+              <a:t>Reece Andy Jones</a:t>
             </a:r>
           </a:p>
           <a:p>
@@ -3333,21 +3278,8 @@
                   <a:schemeClr val="tx1"/>
                 </a:solidFill>
               </a:rPr>
-              <a:t>Course Rep – </a:t>
-            </a:r>
-            <a:r>
-              <a:rPr lang="en-US" sz="800" dirty="0" err="1">
-                <a:solidFill>
-                  <a:schemeClr val="tx1"/>
-                </a:solidFill>
-              </a:rPr>
-              <a:t>Y2</a:t>
-            </a:r>
-            <a:endParaRPr lang="en-US" sz="800" dirty="0">
-              <a:solidFill>
-                <a:schemeClr val="tx1"/>
-              </a:solidFill>
-            </a:endParaRPr>
+              <a:t>Course Rep – Y3</a:t>
+            </a:r>
           </a:p>
         </p:txBody>
       </p:sp>
@@ -3411,7 +3343,7 @@
                   <a:schemeClr val="tx1"/>
                 </a:solidFill>
               </a:rPr>
-              <a:t>Reece Andy Jones</a:t>
+              <a:t>TBC</a:t>
             </a:r>
           </a:p>
           <a:p>
@@ -3422,21 +3354,8 @@
                   <a:schemeClr val="tx1"/>
                 </a:solidFill>
               </a:rPr>
-              <a:t>Course Rep – </a:t>
-            </a:r>
-            <a:r>
-              <a:rPr lang="en-US" sz="800" dirty="0" err="1">
-                <a:solidFill>
-                  <a:schemeClr val="tx1"/>
-                </a:solidFill>
-              </a:rPr>
-              <a:t>Y2</a:t>
-            </a:r>
-            <a:endParaRPr lang="en-US" sz="800" dirty="0">
-              <a:solidFill>
-                <a:schemeClr val="tx1"/>
-              </a:solidFill>
-            </a:endParaRPr>
+              <a:t>Course Rep – Y2</a:t>
+            </a:r>
           </a:p>
         </p:txBody>
       </p:sp>
@@ -3495,34 +3414,13 @@
           <a:p>
             <a:pPr algn="ctr"/>
             <a:r>
-              <a:rPr lang="en-US" sz="800" b="1" dirty="0" err="1">
-                <a:solidFill>
-                  <a:schemeClr val="tx1"/>
-                </a:solidFill>
-              </a:rPr>
-              <a:t>Zuzanna</a:t>
-            </a:r>
-            <a:r>
               <a:rPr lang="en-US" sz="800" b="1" dirty="0">
                 <a:solidFill>
                   <a:schemeClr val="tx1"/>
                 </a:solidFill>
               </a:rPr>
-              <a:t> </a:t>
-            </a:r>
-            <a:r>
-              <a:rPr lang="en-US" sz="800" b="1" dirty="0" err="1">
-                <a:solidFill>
-                  <a:schemeClr val="tx1"/>
-                </a:solidFill>
-              </a:rPr>
-              <a:t>Walaszczyk</a:t>
-            </a:r>
-            <a:endParaRPr lang="en-US" sz="800" b="1" dirty="0">
-              <a:solidFill>
-                <a:schemeClr val="tx1"/>
-              </a:solidFill>
-            </a:endParaRPr>
+              <a:t>TBC</a:t>
+            </a:r>
           </a:p>
           <a:p>
             <a:pPr algn="ctr"/>
@@ -3532,21 +3430,8 @@
                   <a:schemeClr val="tx1"/>
                 </a:solidFill>
               </a:rPr>
-              <a:t>Course Rep – </a:t>
-            </a:r>
-            <a:r>
-              <a:rPr lang="en-US" sz="800" dirty="0" err="1">
-                <a:solidFill>
-                  <a:schemeClr val="tx1"/>
-                </a:solidFill>
-              </a:rPr>
-              <a:t>Y2</a:t>
-            </a:r>
-            <a:endParaRPr lang="en-US" sz="800" dirty="0">
-              <a:solidFill>
-                <a:schemeClr val="tx1"/>
-              </a:solidFill>
-            </a:endParaRPr>
+              <a:t>Course Rep – Y2</a:t>
+            </a:r>
           </a:p>
         </p:txBody>
       </p:sp>
@@ -3610,7 +3495,7 @@
                   <a:schemeClr val="tx1"/>
                 </a:solidFill>
               </a:rPr>
-              <a:t>Benjamin Thomas Clarke</a:t>
+              <a:t>Brandon-Lee Dodds</a:t>
             </a:r>
           </a:p>
           <a:p>
@@ -3621,21 +3506,8 @@
                   <a:schemeClr val="tx1"/>
                 </a:solidFill>
               </a:rPr>
-              <a:t>Course Rep – </a:t>
-            </a:r>
-            <a:r>
-              <a:rPr lang="en-US" sz="800" dirty="0" err="1">
-                <a:solidFill>
-                  <a:schemeClr val="tx1"/>
-                </a:solidFill>
-              </a:rPr>
-              <a:t>Y3</a:t>
-            </a:r>
-            <a:endParaRPr lang="en-US" sz="800" dirty="0">
-              <a:solidFill>
-                <a:schemeClr val="tx1"/>
-              </a:solidFill>
-            </a:endParaRPr>
+              <a:t>Course Rep – Y3</a:t>
+            </a:r>
           </a:p>
         </p:txBody>
       </p:sp>
@@ -3699,21 +3571,8 @@
                   <a:schemeClr val="tx1"/>
                 </a:solidFill>
               </a:rPr>
-              <a:t>Brandon-Lee </a:t>
-            </a:r>
-            <a:r>
-              <a:rPr lang="en-US" sz="800" b="1" dirty="0" err="1">
-                <a:solidFill>
-                  <a:schemeClr val="tx1"/>
-                </a:solidFill>
-              </a:rPr>
-              <a:t>Dodds</a:t>
-            </a:r>
-            <a:endParaRPr lang="en-US" sz="800" b="1" dirty="0">
-              <a:solidFill>
-                <a:schemeClr val="tx1"/>
-              </a:solidFill>
-            </a:endParaRPr>
+              <a:t>TBC</a:t>
+            </a:r>
           </a:p>
           <a:p>
             <a:pPr algn="ctr"/>
@@ -3723,30 +3582,17 @@
                   <a:schemeClr val="tx1"/>
                 </a:solidFill>
               </a:rPr>
-              <a:t>Course Rep – </a:t>
-            </a:r>
-            <a:r>
-              <a:rPr lang="en-US" sz="800" dirty="0" err="1">
-                <a:solidFill>
-                  <a:schemeClr val="tx1"/>
-                </a:solidFill>
-              </a:rPr>
-              <a:t>Y2</a:t>
-            </a:r>
-            <a:endParaRPr lang="en-US" sz="800" dirty="0">
-              <a:solidFill>
-                <a:schemeClr val="tx1"/>
-              </a:solidFill>
-            </a:endParaRPr>
-          </a:p>
-        </p:txBody>
-      </p:sp>
-      <p:sp>
-        <p:nvSpPr>
-          <p:cNvPr id="13" name="Rounded Rectangle 12">
+              <a:t>Course Rep – Y2</a:t>
+            </a:r>
+          </a:p>
+        </p:txBody>
+      </p:sp>
+      <p:sp>
+        <p:nvSpPr>
+          <p:cNvPr id="14" name="Rounded Rectangle 13">
             <a:extLst>
               <a:ext uri="{FF2B5EF4-FFF2-40B4-BE49-F238E27FC236}">
-                <a16:creationId xmlns:a16="http://schemas.microsoft.com/office/drawing/2014/main" id="{B203CB37-9903-E84D-BEF8-7FD3330CA4C7}"/>
+                <a16:creationId xmlns:a16="http://schemas.microsoft.com/office/drawing/2014/main" id="{46516750-785C-EC46-80A6-538672D2139D}"/>
               </a:ext>
             </a:extLst>
           </p:cNvPr>
@@ -3755,7 +3601,7 @@
         </p:nvSpPr>
         <p:spPr>
           <a:xfrm>
-            <a:off x="7641278" y="2294443"/>
+            <a:off x="7658365" y="3069635"/>
             <a:ext cx="1124607" cy="430924"/>
           </a:xfrm>
           <a:prstGeom prst="roundRect">
@@ -3799,36 +3645,28 @@
                   <a:schemeClr val="tx1"/>
                 </a:solidFill>
               </a:rPr>
-              <a:t>Dr Salah Al-Majeed</a:t>
+              <a:t>Dr Chris Headleand</a:t>
             </a:r>
           </a:p>
           <a:p>
             <a:pPr algn="ctr"/>
-            <a:r>
-              <a:rPr lang="en-US" sz="800" dirty="0" err="1">
-                <a:solidFill>
-                  <a:schemeClr val="tx1"/>
-                </a:solidFill>
-              </a:rPr>
-              <a:t>SoCS</a:t>
-            </a:r>
             <a:r>
               <a:rPr lang="en-US" sz="800" dirty="0">
                 <a:solidFill>
                   <a:schemeClr val="tx1"/>
                 </a:solidFill>
               </a:rPr>
-              <a:t> Deputy Head of School</a:t>
-            </a:r>
-          </a:p>
-        </p:txBody>
-      </p:sp>
-      <p:sp>
-        <p:nvSpPr>
-          <p:cNvPr id="14" name="Rounded Rectangle 13">
+              <a:t>Director of Teaching &amp; Learning</a:t>
+            </a:r>
+          </a:p>
+        </p:txBody>
+      </p:sp>
+      <p:sp>
+        <p:nvSpPr>
+          <p:cNvPr id="15" name="Rounded Rectangle 14">
             <a:extLst>
               <a:ext uri="{FF2B5EF4-FFF2-40B4-BE49-F238E27FC236}">
-                <a16:creationId xmlns:a16="http://schemas.microsoft.com/office/drawing/2014/main" id="{46516750-785C-EC46-80A6-538672D2139D}"/>
+                <a16:creationId xmlns:a16="http://schemas.microsoft.com/office/drawing/2014/main" id="{7A97A579-9AF6-0148-B6DC-6B9D16B82040}"/>
               </a:ext>
             </a:extLst>
           </p:cNvPr>
@@ -3837,8 +3675,8 @@
         </p:nvSpPr>
         <p:spPr>
           <a:xfrm>
-            <a:off x="7667287" y="3063762"/>
-            <a:ext cx="1124607" cy="430924"/>
+            <a:off x="7647055" y="3859924"/>
+            <a:ext cx="1165063" cy="430924"/>
           </a:xfrm>
           <a:prstGeom prst="roundRect">
             <a:avLst>
@@ -3881,7 +3719,7 @@
                   <a:schemeClr val="tx1"/>
                 </a:solidFill>
               </a:rPr>
-              <a:t>Dr Chris </a:t>
+              <a:t>Dr Olivier </a:t>
             </a:r>
             <a:r>
               <a:rPr lang="en-US" sz="800" b="1" dirty="0" err="1">
@@ -3889,87 +3727,13 @@
                   <a:schemeClr val="tx1"/>
                 </a:solidFill>
               </a:rPr>
-              <a:t>Headleand</a:t>
+              <a:t>Szymanezyk</a:t>
             </a:r>
             <a:endParaRPr lang="en-US" sz="800" b="1" dirty="0">
               <a:solidFill>
                 <a:schemeClr val="tx1"/>
               </a:solidFill>
             </a:endParaRPr>
-          </a:p>
-          <a:p>
-            <a:pPr algn="ctr"/>
-            <a:r>
-              <a:rPr lang="en-US" sz="800" dirty="0">
-                <a:solidFill>
-                  <a:schemeClr val="tx1"/>
-                </a:solidFill>
-              </a:rPr>
-              <a:t>Director of Teaching &amp; Learning</a:t>
-            </a:r>
-          </a:p>
-        </p:txBody>
-      </p:sp>
-      <p:sp>
-        <p:nvSpPr>
-          <p:cNvPr id="15" name="Rounded Rectangle 14">
-            <a:extLst>
-              <a:ext uri="{FF2B5EF4-FFF2-40B4-BE49-F238E27FC236}">
-                <a16:creationId xmlns:a16="http://schemas.microsoft.com/office/drawing/2014/main" id="{7A97A579-9AF6-0148-B6DC-6B9D16B82040}"/>
-              </a:ext>
-            </a:extLst>
-          </p:cNvPr>
-          <p:cNvSpPr/>
-          <p:nvPr/>
-        </p:nvSpPr>
-        <p:spPr>
-          <a:xfrm>
-            <a:off x="7698818" y="3859924"/>
-            <a:ext cx="1124607" cy="430924"/>
-          </a:xfrm>
-          <a:prstGeom prst="roundRect">
-            <a:avLst>
-              <a:gd name="adj" fmla="val 9350"/>
-            </a:avLst>
-          </a:prstGeom>
-          <a:solidFill>
-            <a:schemeClr val="bg1"/>
-          </a:solidFill>
-          <a:ln>
-            <a:solidFill>
-              <a:srgbClr val="0070C0"/>
-            </a:solidFill>
-          </a:ln>
-        </p:spPr>
-        <p:style>
-          <a:lnRef idx="2">
-            <a:schemeClr val="accent1">
-              <a:shade val="50000"/>
-            </a:schemeClr>
-          </a:lnRef>
-          <a:fillRef idx="1">
-            <a:schemeClr val="accent1"/>
-          </a:fillRef>
-          <a:effectRef idx="0">
-            <a:schemeClr val="accent1"/>
-          </a:effectRef>
-          <a:fontRef idx="minor">
-            <a:schemeClr val="lt1"/>
-          </a:fontRef>
-        </p:style>
-        <p:txBody>
-          <a:bodyPr rtlCol="0" anchor="ctr"/>
-          <a:lstStyle/>
-          <a:p>
-            <a:pPr algn="ctr"/>
-            <a:r>
-              <a:rPr lang="en-US" sz="800" b="1" dirty="0">
-                <a:solidFill>
-                  <a:schemeClr val="tx1"/>
-                </a:solidFill>
-              </a:rPr>
-              <a:t>TBC</a:t>
-            </a:r>
           </a:p>
           <a:p>
             <a:pPr algn="ctr"/>
@@ -4469,7 +4233,7 @@
         </p:nvCxnSpPr>
         <p:spPr>
           <a:xfrm>
-            <a:off x="8229587" y="2722835"/>
+            <a:off x="8220667" y="2722835"/>
             <a:ext cx="1" cy="354724"/>
           </a:xfrm>
           <a:prstGeom prst="line">
@@ -4745,7 +4509,7 @@
                   </a:schemeClr>
                 </a:solidFill>
               </a:rPr>
-              <a:t>Sam R </a:t>
+              <a:t>Sam </a:t>
             </a:r>
             <a:r>
               <a:rPr lang="en-US" sz="800" b="1" dirty="0" err="1">
@@ -4755,7 +4519,7 @@
                   </a:schemeClr>
                 </a:solidFill>
               </a:rPr>
-              <a:t>Bloris</a:t>
+              <a:t>Blouri</a:t>
             </a:r>
             <a:r>
               <a:rPr lang="en-US" sz="800" b="1" dirty="0">
@@ -4838,6 +4602,16 @@
           <a:p>
             <a:pPr algn="ctr"/>
             <a:r>
+              <a:rPr lang="en-US" sz="800" b="1" dirty="0">
+                <a:solidFill>
+                  <a:schemeClr val="bg1">
+                    <a:lumMod val="65000"/>
+                  </a:schemeClr>
+                </a:solidFill>
+              </a:rPr>
+              <a:t>Matthew </a:t>
+            </a:r>
+            <a:r>
               <a:rPr lang="en-US" sz="800" b="1" dirty="0" err="1">
                 <a:solidFill>
                   <a:schemeClr val="bg1">
@@ -4845,27 +4619,7 @@
                   </a:schemeClr>
                 </a:solidFill>
               </a:rPr>
-              <a:t>Sohpie</a:t>
-            </a:r>
-            <a:r>
-              <a:rPr lang="en-US" sz="800" b="1" dirty="0">
-                <a:solidFill>
-                  <a:schemeClr val="bg1">
-                    <a:lumMod val="65000"/>
-                  </a:schemeClr>
-                </a:solidFill>
-              </a:rPr>
-              <a:t> N </a:t>
-            </a:r>
-            <a:r>
-              <a:rPr lang="en-US" sz="800" b="1" dirty="0" err="1">
-                <a:solidFill>
-                  <a:schemeClr val="bg1">
-                    <a:lumMod val="65000"/>
-                  </a:schemeClr>
-                </a:solidFill>
-              </a:rPr>
-              <a:t>Leggot</a:t>
+              <a:t>Gurnhill</a:t>
             </a:r>
             <a:endParaRPr lang="en-US" sz="800" b="1" dirty="0">
               <a:solidFill>
@@ -4952,7 +4706,7 @@
                   </a:schemeClr>
                 </a:solidFill>
               </a:rPr>
-              <a:t>Charlotte H Winspear</a:t>
+              <a:t>Karl Johnson</a:t>
             </a:r>
           </a:p>
           <a:p>
@@ -5032,25 +4786,8 @@
                   </a:schemeClr>
                 </a:solidFill>
               </a:rPr>
-              <a:t>Margaret-Ann K </a:t>
-            </a:r>
-            <a:r>
-              <a:rPr lang="en-US" sz="800" b="1" dirty="0" err="1">
-                <a:solidFill>
-                  <a:schemeClr val="bg1">
-                    <a:lumMod val="65000"/>
-                  </a:schemeClr>
-                </a:solidFill>
-              </a:rPr>
-              <a:t>Withington</a:t>
-            </a:r>
-            <a:endParaRPr lang="en-US" sz="800" b="1" dirty="0">
-              <a:solidFill>
-                <a:schemeClr val="bg1">
-                  <a:lumMod val="65000"/>
-                </a:schemeClr>
-              </a:solidFill>
-            </a:endParaRPr>
+              <a:t>William Evans</a:t>
+            </a:r>
           </a:p>
           <a:p>
             <a:pPr algn="ctr"/>
@@ -5493,7 +5230,7 @@
         </p:nvSpPr>
         <p:spPr>
           <a:xfrm>
-            <a:off x="6160358" y="165600"/>
+            <a:off x="6160358" y="112260"/>
             <a:ext cx="2673575" cy="280480"/>
           </a:xfrm>
           <a:prstGeom prst="roundRect">
@@ -5599,23 +5336,15 @@
           <a:p>
             <a:pPr algn="ctr"/>
             <a:r>
-              <a:rPr lang="en-US" sz="1000" b="1" dirty="0" err="1">
-                <a:solidFill>
-                  <a:schemeClr val="tx1"/>
-                </a:solidFill>
-              </a:rPr>
-              <a:t>SU</a:t>
-            </a:r>
-            <a:r>
               <a:rPr lang="en-US" sz="1000" b="1" dirty="0">
                 <a:solidFill>
                   <a:schemeClr val="tx1"/>
                 </a:solidFill>
               </a:rPr>
-              <a:t> </a:t>
-            </a:r>
-            <a:r>
-              <a:rPr lang="en-US" sz="1000" b="1" dirty="0" err="1">
+              <a:t>SU </a:t>
+            </a:r>
+            <a:r>
+              <a:rPr lang="en-GB" sz="1000" b="1" dirty="0">
                 <a:solidFill>
                   <a:schemeClr val="tx1"/>
                 </a:solidFill>
@@ -5715,13 +5444,8 @@
             <a:pPr algn="ctr"/>
             <a:r>
               <a:rPr lang="en-US" sz="800" dirty="0"/>
-              <a:t>Working with </a:t>
-            </a:r>
-            <a:r>
-              <a:rPr lang="en-US" sz="800" dirty="0" err="1"/>
-              <a:t>SoCS</a:t>
-            </a:r>
-            <a:endParaRPr lang="en-US" sz="800" dirty="0"/>
+              <a:t>Working with SoCS</a:t>
+            </a:r>
           </a:p>
         </p:txBody>
       </p:sp>
@@ -5778,13 +5502,15 @@
         </p:nvSpPr>
         <p:spPr>
           <a:xfrm>
-            <a:off x="883490" y="2561910"/>
-            <a:ext cx="4359829" cy="215444"/>
+            <a:off x="567872" y="2523805"/>
+            <a:ext cx="4150958" cy="215444"/>
           </a:xfrm>
           <a:prstGeom prst="rect">
             <a:avLst/>
           </a:prstGeom>
-          <a:noFill/>
+          <a:solidFill>
+            <a:srgbClr val="F5F5F5"/>
+          </a:solidFill>
         </p:spPr>
         <p:txBody>
           <a:bodyPr wrap="square" rtlCol="0">
@@ -5792,6 +5518,7 @@
           </a:bodyPr>
           <a:lstStyle/>
           <a:p>
+            <a:pPr algn="ctr"/>
             <a:r>
               <a:rPr lang="en-US" sz="800" dirty="0"/>
               <a:t>Working with School Rep Officers. </a:t>
@@ -5821,13 +5548,15 @@
         </p:nvSpPr>
         <p:spPr>
           <a:xfrm>
-            <a:off x="119370" y="1317747"/>
+            <a:off x="119370" y="1311397"/>
             <a:ext cx="2389111" cy="215444"/>
           </a:xfrm>
           <a:prstGeom prst="rect">
             <a:avLst/>
           </a:prstGeom>
-          <a:noFill/>
+          <a:solidFill>
+            <a:srgbClr val="F5F5F5"/>
+          </a:solidFill>
         </p:spPr>
         <p:txBody>
           <a:bodyPr wrap="square" rtlCol="0">
@@ -5856,44 +5585,8 @@
         </p:nvSpPr>
         <p:spPr>
           <a:xfrm>
-            <a:off x="6867168" y="3078199"/>
-            <a:ext cx="895337" cy="338554"/>
-          </a:xfrm>
-          <a:prstGeom prst="rect">
-            <a:avLst/>
-          </a:prstGeom>
-          <a:noFill/>
-        </p:spPr>
-        <p:txBody>
-          <a:bodyPr wrap="square" rtlCol="0">
-            <a:spAutoFit/>
-          </a:bodyPr>
-          <a:lstStyle/>
-          <a:p>
-            <a:pPr algn="ctr"/>
-            <a:r>
-              <a:rPr lang="en-US" sz="800" dirty="0"/>
-              <a:t>Weekly Meetings</a:t>
-            </a:r>
-          </a:p>
-        </p:txBody>
-      </p:sp>
-      <p:sp>
-        <p:nvSpPr>
-          <p:cNvPr id="55" name="TextBox 54">
-            <a:extLst>
-              <a:ext uri="{FF2B5EF4-FFF2-40B4-BE49-F238E27FC236}">
-                <a16:creationId xmlns:a16="http://schemas.microsoft.com/office/drawing/2014/main" id="{CF8791F7-B441-0446-9F79-FE5FCBFEE9B6}"/>
-              </a:ext>
-            </a:extLst>
-          </p:cNvPr>
-          <p:cNvSpPr txBox="1"/>
-          <p:nvPr/>
-        </p:nvSpPr>
-        <p:spPr>
-          <a:xfrm>
-            <a:off x="6868465" y="3855929"/>
-            <a:ext cx="895337" cy="338554"/>
+            <a:off x="6703360" y="3117992"/>
+            <a:ext cx="589531" cy="338554"/>
           </a:xfrm>
           <a:prstGeom prst="rect">
             <a:avLst/>
@@ -5928,7 +5621,7 @@
         </p:nvSpPr>
         <p:spPr>
           <a:xfrm>
-            <a:off x="6637892" y="2274110"/>
+            <a:off x="6509372" y="2270553"/>
             <a:ext cx="1020471" cy="461665"/>
           </a:xfrm>
           <a:prstGeom prst="rect">
@@ -5972,8 +5665,8 @@
         </p:nvSpPr>
         <p:spPr>
           <a:xfrm>
-            <a:off x="3244087" y="1909354"/>
-            <a:ext cx="895337" cy="461665"/>
+            <a:off x="3245791" y="1961361"/>
+            <a:ext cx="1138494" cy="338554"/>
           </a:xfrm>
           <a:prstGeom prst="rect">
             <a:avLst/>
@@ -6016,13 +5709,15 @@
         </p:nvSpPr>
         <p:spPr>
           <a:xfrm>
-            <a:off x="4382581" y="3717948"/>
+            <a:off x="4645120" y="3884645"/>
             <a:ext cx="795799" cy="338554"/>
           </a:xfrm>
           <a:prstGeom prst="rect">
             <a:avLst/>
           </a:prstGeom>
-          <a:noFill/>
+          <a:solidFill>
+            <a:srgbClr val="F5F5F5"/>
+          </a:solidFill>
         </p:spPr>
         <p:txBody>
           <a:bodyPr wrap="square" rtlCol="0">
@@ -6033,7 +5728,7 @@
             <a:pPr algn="ctr"/>
             <a:r>
               <a:rPr lang="en-US" sz="800" dirty="0"/>
-              <a:t>Daily rep interaction. </a:t>
+              <a:t>Daily rep interaction </a:t>
             </a:r>
           </a:p>
         </p:txBody>
@@ -6317,20 +6012,12 @@
           <a:p>
             <a:pPr algn="ctr"/>
             <a:r>
-              <a:rPr lang="en-US" sz="700" dirty="0" err="1">
-                <a:solidFill>
-                  <a:schemeClr val="tx1"/>
-                </a:solidFill>
-              </a:rPr>
-              <a:t>CoS</a:t>
-            </a:r>
-            <a:r>
               <a:rPr lang="en-US" sz="700" dirty="0">
                 <a:solidFill>
                   <a:schemeClr val="tx1"/>
                 </a:solidFill>
               </a:rPr>
-              <a:t> Director of Education and Students</a:t>
+              <a:t>CoS Director of Education and Students</a:t>
             </a:r>
           </a:p>
         </p:txBody>
@@ -6399,20 +6086,12 @@
           <a:p>
             <a:pPr algn="ctr"/>
             <a:r>
-              <a:rPr lang="en-US" sz="800" dirty="0" err="1">
-                <a:solidFill>
-                  <a:schemeClr val="tx1"/>
-                </a:solidFill>
-              </a:rPr>
-              <a:t>CoS</a:t>
-            </a:r>
-            <a:r>
               <a:rPr lang="en-US" sz="800" dirty="0">
                 <a:solidFill>
                   <a:schemeClr val="tx1"/>
                 </a:solidFill>
               </a:rPr>
-              <a:t> Director of Operations</a:t>
+              <a:t>CoS Director of Operations</a:t>
             </a:r>
           </a:p>
         </p:txBody>
@@ -6509,93 +6188,6 @@
           </a:fontRef>
         </p:style>
       </p:cxnSp>
-      <p:cxnSp>
-        <p:nvCxnSpPr>
-          <p:cNvPr id="72" name="Straight Connector 71">
-            <a:extLst>
-              <a:ext uri="{FF2B5EF4-FFF2-40B4-BE49-F238E27FC236}">
-                <a16:creationId xmlns:a16="http://schemas.microsoft.com/office/drawing/2014/main" id="{708FB50E-28B2-F840-9A0F-0AEA7B65FCBE}"/>
-              </a:ext>
-            </a:extLst>
-          </p:cNvPr>
-          <p:cNvCxnSpPr>
-            <a:cxnSpLocks/>
-          </p:cNvCxnSpPr>
-          <p:nvPr/>
-        </p:nvCxnSpPr>
-        <p:spPr>
-          <a:xfrm>
-            <a:off x="5043020" y="4406076"/>
-            <a:ext cx="1084579" cy="0"/>
-          </a:xfrm>
-          <a:prstGeom prst="line">
-            <a:avLst/>
-          </a:prstGeom>
-          <a:ln>
-            <a:solidFill>
-              <a:schemeClr val="bg1">
-                <a:lumMod val="50000"/>
-              </a:schemeClr>
-            </a:solidFill>
-            <a:prstDash val="dash"/>
-          </a:ln>
-        </p:spPr>
-        <p:style>
-          <a:lnRef idx="1">
-            <a:schemeClr val="accent1"/>
-          </a:lnRef>
-          <a:fillRef idx="0">
-            <a:schemeClr val="accent1"/>
-          </a:fillRef>
-          <a:effectRef idx="0">
-            <a:schemeClr val="accent1"/>
-          </a:effectRef>
-          <a:fontRef idx="minor">
-            <a:schemeClr val="tx1"/>
-          </a:fontRef>
-        </p:style>
-      </p:cxnSp>
-      <p:sp>
-        <p:nvSpPr>
-          <p:cNvPr id="78" name="TextBox 77">
-            <a:extLst>
-              <a:ext uri="{FF2B5EF4-FFF2-40B4-BE49-F238E27FC236}">
-                <a16:creationId xmlns:a16="http://schemas.microsoft.com/office/drawing/2014/main" id="{B63D7C26-5AE9-4C4D-8DC5-E741A31A8F9B}"/>
-              </a:ext>
-            </a:extLst>
-          </p:cNvPr>
-          <p:cNvSpPr txBox="1"/>
-          <p:nvPr/>
-        </p:nvSpPr>
-        <p:spPr>
-          <a:xfrm>
-            <a:off x="5053040" y="4190857"/>
-            <a:ext cx="965220" cy="215444"/>
-          </a:xfrm>
-          <a:prstGeom prst="rect">
-            <a:avLst/>
-          </a:prstGeom>
-          <a:noFill/>
-        </p:spPr>
-        <p:txBody>
-          <a:bodyPr wrap="square" rtlCol="0">
-            <a:spAutoFit/>
-          </a:bodyPr>
-          <a:lstStyle/>
-          <a:p>
-            <a:pPr algn="ctr"/>
-            <a:r>
-              <a:rPr lang="en-US" sz="800" dirty="0"/>
-              <a:t>Working with </a:t>
-            </a:r>
-            <a:r>
-              <a:rPr lang="en-US" sz="800" dirty="0" err="1"/>
-              <a:t>SoCS</a:t>
-            </a:r>
-            <a:endParaRPr lang="en-US" sz="800" dirty="0"/>
-          </a:p>
-        </p:txBody>
-      </p:sp>
       <p:sp>
         <p:nvSpPr>
           <p:cNvPr id="73" name="Rounded Rectangle 72">
@@ -6656,7 +6248,7 @@
                   <a:schemeClr val="tx1"/>
                 </a:solidFill>
               </a:rPr>
-              <a:t>Stewart Leonard</a:t>
+              <a:t>TBC</a:t>
             </a:r>
           </a:p>
           <a:p>
@@ -6768,7 +6360,7 @@
                   <a:schemeClr val="tx1"/>
                 </a:solidFill>
               </a:rPr>
-              <a:t>Ellie Broome</a:t>
+              <a:t>TBC</a:t>
             </a:r>
           </a:p>
           <a:p>
@@ -6967,6 +6559,116 @@
             <a:r>
               <a:rPr lang="en-US" sz="800" dirty="0"/>
               <a:t>Monthly Meetings</a:t>
+            </a:r>
+          </a:p>
+        </p:txBody>
+      </p:sp>
+      <p:sp>
+        <p:nvSpPr>
+          <p:cNvPr id="13" name="Rounded Rectangle 12">
+            <a:extLst>
+              <a:ext uri="{FF2B5EF4-FFF2-40B4-BE49-F238E27FC236}">
+                <a16:creationId xmlns:a16="http://schemas.microsoft.com/office/drawing/2014/main" id="{B203CB37-9903-E84D-BEF8-7FD3330CA4C7}"/>
+              </a:ext>
+            </a:extLst>
+          </p:cNvPr>
+          <p:cNvSpPr/>
+          <p:nvPr/>
+        </p:nvSpPr>
+        <p:spPr>
+          <a:xfrm>
+            <a:off x="7641278" y="2285923"/>
+            <a:ext cx="1124607" cy="430924"/>
+          </a:xfrm>
+          <a:prstGeom prst="roundRect">
+            <a:avLst>
+              <a:gd name="adj" fmla="val 9350"/>
+            </a:avLst>
+          </a:prstGeom>
+          <a:solidFill>
+            <a:schemeClr val="bg1"/>
+          </a:solidFill>
+          <a:ln>
+            <a:solidFill>
+              <a:srgbClr val="0070C0"/>
+            </a:solidFill>
+          </a:ln>
+        </p:spPr>
+        <p:style>
+          <a:lnRef idx="2">
+            <a:schemeClr val="accent1">
+              <a:shade val="50000"/>
+            </a:schemeClr>
+          </a:lnRef>
+          <a:fillRef idx="1">
+            <a:schemeClr val="accent1"/>
+          </a:fillRef>
+          <a:effectRef idx="0">
+            <a:schemeClr val="accent1"/>
+          </a:effectRef>
+          <a:fontRef idx="minor">
+            <a:schemeClr val="lt1"/>
+          </a:fontRef>
+        </p:style>
+        <p:txBody>
+          <a:bodyPr rtlCol="0" anchor="ctr"/>
+          <a:lstStyle/>
+          <a:p>
+            <a:pPr algn="ctr"/>
+            <a:r>
+              <a:rPr lang="en-US" sz="800" b="1" dirty="0">
+                <a:solidFill>
+                  <a:schemeClr val="tx1"/>
+                </a:solidFill>
+              </a:rPr>
+              <a:t>Dr Salah Al-Majeed</a:t>
+            </a:r>
+          </a:p>
+          <a:p>
+            <a:pPr algn="ctr"/>
+            <a:r>
+              <a:rPr lang="en-US" sz="800" dirty="0">
+                <a:solidFill>
+                  <a:schemeClr val="tx1"/>
+                </a:solidFill>
+              </a:rPr>
+              <a:t>SoCS Deputy Head of School</a:t>
+            </a:r>
+          </a:p>
+        </p:txBody>
+      </p:sp>
+      <p:sp>
+        <p:nvSpPr>
+          <p:cNvPr id="85" name="TextBox 84">
+            <a:extLst>
+              <a:ext uri="{FF2B5EF4-FFF2-40B4-BE49-F238E27FC236}">
+                <a16:creationId xmlns:a16="http://schemas.microsoft.com/office/drawing/2014/main" id="{7607D5D5-EE23-45DE-93BD-486EBFF1F104}"/>
+              </a:ext>
+            </a:extLst>
+          </p:cNvPr>
+          <p:cNvSpPr txBox="1"/>
+          <p:nvPr/>
+        </p:nvSpPr>
+        <p:spPr>
+          <a:xfrm>
+            <a:off x="6707323" y="3911356"/>
+            <a:ext cx="589531" cy="338554"/>
+          </a:xfrm>
+          <a:prstGeom prst="rect">
+            <a:avLst/>
+          </a:prstGeom>
+          <a:noFill/>
+        </p:spPr>
+        <p:txBody>
+          <a:bodyPr wrap="square" rtlCol="0">
+            <a:spAutoFit/>
+          </a:bodyPr>
+          <a:lstStyle/>
+          <a:p>
+            <a:pPr algn="ctr"/>
+            <a:r>
+              <a:rPr lang="en-US" sz="800" dirty="0"/>
+              <a:t>Weekly Meetings</a:t>
             </a:r>
           </a:p>
         </p:txBody>

--- a/assets/SoCS SU Organisation Chart - Editable.pptx
+++ b/assets/SoCS SU Organisation Chart - Editable.pptx
@@ -243,7 +243,7 @@
           <a:p>
             <a:fld id="{8EA370C3-DB3A-B74B-BC6D-81BA3E128968}" type="datetimeFigureOut">
               <a:rPr lang="en-US" smtClean="0"/>
-              <a:t>6/27/2021</a:t>
+              <a:t>7/3/2021</a:t>
             </a:fld>
             <a:endParaRPr lang="en-US"/>
           </a:p>
@@ -413,7 +413,7 @@
           <a:p>
             <a:fld id="{8EA370C3-DB3A-B74B-BC6D-81BA3E128968}" type="datetimeFigureOut">
               <a:rPr lang="en-US" smtClean="0"/>
-              <a:t>6/27/2021</a:t>
+              <a:t>7/3/2021</a:t>
             </a:fld>
             <a:endParaRPr lang="en-US"/>
           </a:p>
@@ -593,7 +593,7 @@
           <a:p>
             <a:fld id="{8EA370C3-DB3A-B74B-BC6D-81BA3E128968}" type="datetimeFigureOut">
               <a:rPr lang="en-US" smtClean="0"/>
-              <a:t>6/27/2021</a:t>
+              <a:t>7/3/2021</a:t>
             </a:fld>
             <a:endParaRPr lang="en-US"/>
           </a:p>
@@ -763,7 +763,7 @@
           <a:p>
             <a:fld id="{8EA370C3-DB3A-B74B-BC6D-81BA3E128968}" type="datetimeFigureOut">
               <a:rPr lang="en-US" smtClean="0"/>
-              <a:t>6/27/2021</a:t>
+              <a:t>7/3/2021</a:t>
             </a:fld>
             <a:endParaRPr lang="en-US"/>
           </a:p>
@@ -1007,7 +1007,7 @@
           <a:p>
             <a:fld id="{8EA370C3-DB3A-B74B-BC6D-81BA3E128968}" type="datetimeFigureOut">
               <a:rPr lang="en-US" smtClean="0"/>
-              <a:t>6/27/2021</a:t>
+              <a:t>7/3/2021</a:t>
             </a:fld>
             <a:endParaRPr lang="en-US"/>
           </a:p>
@@ -1239,7 +1239,7 @@
           <a:p>
             <a:fld id="{8EA370C3-DB3A-B74B-BC6D-81BA3E128968}" type="datetimeFigureOut">
               <a:rPr lang="en-US" smtClean="0"/>
-              <a:t>6/27/2021</a:t>
+              <a:t>7/3/2021</a:t>
             </a:fld>
             <a:endParaRPr lang="en-US"/>
           </a:p>
@@ -1606,7 +1606,7 @@
           <a:p>
             <a:fld id="{8EA370C3-DB3A-B74B-BC6D-81BA3E128968}" type="datetimeFigureOut">
               <a:rPr lang="en-US" smtClean="0"/>
-              <a:t>6/27/2021</a:t>
+              <a:t>7/3/2021</a:t>
             </a:fld>
             <a:endParaRPr lang="en-US"/>
           </a:p>
@@ -1724,7 +1724,7 @@
           <a:p>
             <a:fld id="{8EA370C3-DB3A-B74B-BC6D-81BA3E128968}" type="datetimeFigureOut">
               <a:rPr lang="en-US" smtClean="0"/>
-              <a:t>6/27/2021</a:t>
+              <a:t>7/3/2021</a:t>
             </a:fld>
             <a:endParaRPr lang="en-US"/>
           </a:p>
@@ -1819,7 +1819,7 @@
           <a:p>
             <a:fld id="{8EA370C3-DB3A-B74B-BC6D-81BA3E128968}" type="datetimeFigureOut">
               <a:rPr lang="en-US" smtClean="0"/>
-              <a:t>6/27/2021</a:t>
+              <a:t>7/3/2021</a:t>
             </a:fld>
             <a:endParaRPr lang="en-US"/>
           </a:p>
@@ -2096,7 +2096,7 @@
           <a:p>
             <a:fld id="{8EA370C3-DB3A-B74B-BC6D-81BA3E128968}" type="datetimeFigureOut">
               <a:rPr lang="en-US" smtClean="0"/>
-              <a:t>6/27/2021</a:t>
+              <a:t>7/3/2021</a:t>
             </a:fld>
             <a:endParaRPr lang="en-US"/>
           </a:p>
@@ -2353,7 +2353,7 @@
           <a:p>
             <a:fld id="{8EA370C3-DB3A-B74B-BC6D-81BA3E128968}" type="datetimeFigureOut">
               <a:rPr lang="en-US" smtClean="0"/>
-              <a:t>6/27/2021</a:t>
+              <a:t>7/3/2021</a:t>
             </a:fld>
             <a:endParaRPr lang="en-US"/>
           </a:p>
@@ -2566,7 +2566,7 @@
           <a:p>
             <a:fld id="{8EA370C3-DB3A-B74B-BC6D-81BA3E128968}" type="datetimeFigureOut">
               <a:rPr lang="en-US" smtClean="0"/>
-              <a:t>6/27/2021</a:t>
+              <a:t>7/3/2021</a:t>
             </a:fld>
             <a:endParaRPr lang="en-US"/>
           </a:p>
@@ -3221,7 +3221,7 @@
         </p:nvSpPr>
         <p:spPr>
           <a:xfrm>
-            <a:off x="2777989" y="5596318"/>
+            <a:off x="2771639" y="6161468"/>
             <a:ext cx="1124607" cy="580703"/>
           </a:xfrm>
           <a:prstGeom prst="roundRect">
@@ -3267,7 +3267,7 @@
                   <a:schemeClr val="tx1"/>
                 </a:solidFill>
               </a:rPr>
-              <a:t>Reece Andy Jones</a:t>
+              <a:t>TBC</a:t>
             </a:r>
           </a:p>
           <a:p>
@@ -3297,7 +3297,7 @@
         </p:nvSpPr>
         <p:spPr>
           <a:xfrm>
-            <a:off x="3962690" y="5596318"/>
+            <a:off x="3956340" y="6161468"/>
             <a:ext cx="1124607" cy="580703"/>
           </a:xfrm>
           <a:prstGeom prst="roundRect">
@@ -3373,7 +3373,7 @@
         </p:nvSpPr>
         <p:spPr>
           <a:xfrm>
-            <a:off x="5147391" y="5596318"/>
+            <a:off x="5141041" y="6161468"/>
             <a:ext cx="1124607" cy="580703"/>
           </a:xfrm>
           <a:prstGeom prst="roundRect">
@@ -3449,7 +3449,7 @@
         </p:nvSpPr>
         <p:spPr>
           <a:xfrm>
-            <a:off x="1436288" y="5588865"/>
+            <a:off x="1429938" y="6154015"/>
             <a:ext cx="1281607" cy="580703"/>
           </a:xfrm>
           <a:prstGeom prst="roundRect">
@@ -3495,7 +3495,7 @@
                   <a:schemeClr val="tx1"/>
                 </a:solidFill>
               </a:rPr>
-              <a:t>Brandon-Lee Dodds</a:t>
+              <a:t>Reece Jones</a:t>
             </a:r>
           </a:p>
           <a:p>
@@ -3525,7 +3525,7 @@
         </p:nvSpPr>
         <p:spPr>
           <a:xfrm>
-            <a:off x="6332092" y="5596318"/>
+            <a:off x="6325742" y="6161468"/>
             <a:ext cx="1124607" cy="580703"/>
           </a:xfrm>
           <a:prstGeom prst="roundRect">
@@ -3819,7 +3819,7 @@
         </p:nvCxnSpPr>
         <p:spPr>
           <a:xfrm flipV="1">
-            <a:off x="686048" y="5244855"/>
+            <a:off x="679698" y="5810005"/>
             <a:ext cx="7368105" cy="5576"/>
           </a:xfrm>
           <a:prstGeom prst="line">
@@ -3865,7 +3865,7 @@
         </p:nvCxnSpPr>
         <p:spPr>
           <a:xfrm flipH="1">
-            <a:off x="2087843" y="5258466"/>
+            <a:off x="2081493" y="5823616"/>
             <a:ext cx="1" cy="354724"/>
           </a:xfrm>
           <a:prstGeom prst="line">
@@ -3911,7 +3911,7 @@
         </p:nvCxnSpPr>
         <p:spPr>
           <a:xfrm>
-            <a:off x="3335329" y="5255499"/>
+            <a:off x="3328979" y="5820649"/>
             <a:ext cx="1" cy="354724"/>
           </a:xfrm>
           <a:prstGeom prst="line">
@@ -3957,8 +3957,8 @@
         </p:nvCxnSpPr>
         <p:spPr>
           <a:xfrm flipH="1">
-            <a:off x="5043020" y="3743800"/>
-            <a:ext cx="593" cy="1514666"/>
+            <a:off x="5043613" y="3743800"/>
+            <a:ext cx="1" cy="2088886"/>
           </a:xfrm>
           <a:prstGeom prst="line">
             <a:avLst/>
@@ -4003,7 +4003,7 @@
         </p:nvCxnSpPr>
         <p:spPr>
           <a:xfrm>
-            <a:off x="6873578" y="5250430"/>
+            <a:off x="6867228" y="5815580"/>
             <a:ext cx="1" cy="354724"/>
           </a:xfrm>
           <a:prstGeom prst="line">
@@ -4049,7 +4049,7 @@
         </p:nvCxnSpPr>
         <p:spPr>
           <a:xfrm>
-            <a:off x="8046984" y="5241594"/>
+            <a:off x="8040634" y="5806744"/>
             <a:ext cx="1" cy="354724"/>
           </a:xfrm>
           <a:prstGeom prst="line">
@@ -4542,7 +4542,20 @@
                   </a:schemeClr>
                 </a:solidFill>
               </a:rPr>
-              <a:t>Pharmacy School Rep</a:t>
+              <a:t>Pharmacy </a:t>
+            </a:r>
+          </a:p>
+          <a:p>
+            <a:pPr algn="ctr"/>
+            <a:r>
+              <a:rPr lang="en-US" sz="800" dirty="0">
+                <a:solidFill>
+                  <a:schemeClr val="bg1">
+                    <a:lumMod val="65000"/>
+                  </a:schemeClr>
+                </a:solidFill>
+              </a:rPr>
+              <a:t>School Rep</a:t>
             </a:r>
           </a:p>
         </p:txBody>
@@ -4639,7 +4652,20 @@
                   </a:schemeClr>
                 </a:solidFill>
               </a:rPr>
-              <a:t>Geography School Rep</a:t>
+              <a:t>Geography </a:t>
+            </a:r>
+          </a:p>
+          <a:p>
+            <a:pPr algn="ctr"/>
+            <a:r>
+              <a:rPr lang="en-US" sz="800" dirty="0">
+                <a:solidFill>
+                  <a:schemeClr val="bg1">
+                    <a:lumMod val="65000"/>
+                  </a:schemeClr>
+                </a:solidFill>
+              </a:rPr>
+              <a:t>School Rep</a:t>
             </a:r>
           </a:p>
         </p:txBody>
@@ -4658,7 +4684,7 @@
         </p:nvSpPr>
         <p:spPr>
           <a:xfrm>
-            <a:off x="1771647" y="4407765"/>
+            <a:off x="1771647" y="3921990"/>
             <a:ext cx="1124607" cy="624058"/>
           </a:xfrm>
           <a:prstGeom prst="roundRect">
@@ -4719,7 +4745,20 @@
                   </a:schemeClr>
                 </a:solidFill>
               </a:rPr>
-              <a:t>Life Sciences School Rep</a:t>
+              <a:t>Life Sciences</a:t>
+            </a:r>
+          </a:p>
+          <a:p>
+            <a:pPr algn="ctr"/>
+            <a:r>
+              <a:rPr lang="en-US" sz="800" dirty="0">
+                <a:solidFill>
+                  <a:schemeClr val="bg1">
+                    <a:lumMod val="65000"/>
+                  </a:schemeClr>
+                </a:solidFill>
+              </a:rPr>
+              <a:t>School Rep</a:t>
             </a:r>
           </a:p>
         </p:txBody>
@@ -4738,7 +4777,7 @@
         </p:nvSpPr>
         <p:spPr>
           <a:xfrm>
-            <a:off x="144521" y="4406076"/>
+            <a:off x="144521" y="3925055"/>
             <a:ext cx="1124607" cy="624058"/>
           </a:xfrm>
           <a:prstGeom prst="roundRect">
@@ -4889,7 +4928,20 @@
                   </a:schemeClr>
                 </a:solidFill>
               </a:rPr>
-              <a:t>Chemistry School Rep</a:t>
+              <a:t>Chemistry </a:t>
+            </a:r>
+          </a:p>
+          <a:p>
+            <a:pPr algn="ctr"/>
+            <a:r>
+              <a:rPr lang="en-US" sz="800" dirty="0">
+                <a:solidFill>
+                  <a:schemeClr val="bg1">
+                    <a:lumMod val="65000"/>
+                  </a:schemeClr>
+                </a:solidFill>
+              </a:rPr>
+              <a:t>School Rep</a:t>
             </a:r>
           </a:p>
         </p:txBody>
@@ -5049,7 +5101,7 @@
         <p:spPr>
           <a:xfrm>
             <a:off x="1518737" y="2772050"/>
-            <a:ext cx="0" cy="1284246"/>
+            <a:ext cx="0" cy="2282915"/>
           </a:xfrm>
           <a:prstGeom prst="line">
             <a:avLst/>
@@ -5094,100 +5146,8 @@
         </p:nvCxnSpPr>
         <p:spPr>
           <a:xfrm flipV="1">
-            <a:off x="695645" y="4046473"/>
-            <a:ext cx="1646184" cy="9823"/>
-          </a:xfrm>
-          <a:prstGeom prst="line">
-            <a:avLst/>
-          </a:prstGeom>
-          <a:ln>
-            <a:solidFill>
-              <a:schemeClr val="bg1">
-                <a:lumMod val="50000"/>
-              </a:schemeClr>
-            </a:solidFill>
-            <a:prstDash val="dash"/>
-          </a:ln>
-        </p:spPr>
-        <p:style>
-          <a:lnRef idx="1">
-            <a:schemeClr val="accent1"/>
-          </a:lnRef>
-          <a:fillRef idx="0">
-            <a:schemeClr val="accent1"/>
-          </a:fillRef>
-          <a:effectRef idx="0">
-            <a:schemeClr val="accent1"/>
-          </a:effectRef>
-          <a:fontRef idx="minor">
-            <a:schemeClr val="tx1"/>
-          </a:fontRef>
-        </p:style>
-      </p:cxnSp>
-      <p:cxnSp>
-        <p:nvCxnSpPr>
-          <p:cNvPr id="57" name="Straight Connector 56">
-            <a:extLst>
-              <a:ext uri="{FF2B5EF4-FFF2-40B4-BE49-F238E27FC236}">
-                <a16:creationId xmlns:a16="http://schemas.microsoft.com/office/drawing/2014/main" id="{0A299ABC-FC8F-BD46-B67D-7FFAFE8867ED}"/>
-              </a:ext>
-            </a:extLst>
-          </p:cNvPr>
-          <p:cNvCxnSpPr>
-            <a:cxnSpLocks/>
-          </p:cNvCxnSpPr>
-          <p:nvPr/>
-        </p:nvCxnSpPr>
-        <p:spPr>
-          <a:xfrm>
-            <a:off x="706823" y="4061257"/>
-            <a:ext cx="1" cy="354724"/>
-          </a:xfrm>
-          <a:prstGeom prst="line">
-            <a:avLst/>
-          </a:prstGeom>
-          <a:ln>
-            <a:solidFill>
-              <a:schemeClr val="bg1">
-                <a:lumMod val="50000"/>
-              </a:schemeClr>
-            </a:solidFill>
-            <a:prstDash val="dash"/>
-          </a:ln>
-        </p:spPr>
-        <p:style>
-          <a:lnRef idx="1">
-            <a:schemeClr val="accent1"/>
-          </a:lnRef>
-          <a:fillRef idx="0">
-            <a:schemeClr val="accent1"/>
-          </a:fillRef>
-          <a:effectRef idx="0">
-            <a:schemeClr val="accent1"/>
-          </a:effectRef>
-          <a:fontRef idx="minor">
-            <a:schemeClr val="tx1"/>
-          </a:fontRef>
-        </p:style>
-      </p:cxnSp>
-      <p:cxnSp>
-        <p:nvCxnSpPr>
-          <p:cNvPr id="58" name="Straight Connector 57">
-            <a:extLst>
-              <a:ext uri="{FF2B5EF4-FFF2-40B4-BE49-F238E27FC236}">
-                <a16:creationId xmlns:a16="http://schemas.microsoft.com/office/drawing/2014/main" id="{B984DB99-5227-ED46-8605-E3BE5CE3F5CE}"/>
-              </a:ext>
-            </a:extLst>
-          </p:cNvPr>
-          <p:cNvCxnSpPr>
-            <a:cxnSpLocks/>
-          </p:cNvCxnSpPr>
-          <p:nvPr/>
-        </p:nvCxnSpPr>
-        <p:spPr>
-          <a:xfrm>
-            <a:off x="2331626" y="4080633"/>
-            <a:ext cx="1" cy="354724"/>
+            <a:off x="1269130" y="4236851"/>
+            <a:ext cx="502519" cy="14"/>
           </a:xfrm>
           <a:prstGeom prst="line">
             <a:avLst/>
@@ -5463,7 +5423,7 @@
         </p:nvSpPr>
         <p:spPr>
           <a:xfrm>
-            <a:off x="3245791" y="4889196"/>
+            <a:off x="3239441" y="5454346"/>
             <a:ext cx="1901593" cy="338554"/>
           </a:xfrm>
           <a:prstGeom prst="rect">
@@ -5709,7 +5669,7 @@
         </p:nvSpPr>
         <p:spPr>
           <a:xfrm>
-            <a:off x="4645120" y="3884645"/>
+            <a:off x="4620667" y="4577195"/>
             <a:ext cx="795799" cy="338554"/>
           </a:xfrm>
           <a:prstGeom prst="rect">
@@ -6202,7 +6162,7 @@
         </p:nvSpPr>
         <p:spPr>
           <a:xfrm>
-            <a:off x="94587" y="5588866"/>
+            <a:off x="88237" y="6154016"/>
             <a:ext cx="1281607" cy="580703"/>
           </a:xfrm>
           <a:prstGeom prst="roundRect">
@@ -6314,7 +6274,7 @@
         </p:nvSpPr>
         <p:spPr>
           <a:xfrm>
-            <a:off x="7516854" y="5588865"/>
+            <a:off x="7510504" y="6154015"/>
             <a:ext cx="1281607" cy="580703"/>
           </a:xfrm>
           <a:prstGeom prst="roundRect">
@@ -6405,7 +6365,7 @@
         </p:nvCxnSpPr>
         <p:spPr>
           <a:xfrm flipH="1">
-            <a:off x="686048" y="5250430"/>
+            <a:off x="679698" y="5815580"/>
             <a:ext cx="1" cy="354724"/>
           </a:xfrm>
           <a:prstGeom prst="line">
@@ -6451,7 +6411,7 @@
         </p:nvCxnSpPr>
         <p:spPr>
           <a:xfrm>
-            <a:off x="4767543" y="5250430"/>
+            <a:off x="4761193" y="5815580"/>
             <a:ext cx="1" cy="354724"/>
           </a:xfrm>
           <a:prstGeom prst="line">
@@ -6497,7 +6457,7 @@
         </p:nvCxnSpPr>
         <p:spPr>
           <a:xfrm>
-            <a:off x="5709694" y="5244855"/>
+            <a:off x="5703344" y="5810005"/>
             <a:ext cx="1" cy="354724"/>
           </a:xfrm>
           <a:prstGeom prst="line">
@@ -6673,6 +6633,265 @@
           </a:p>
         </p:txBody>
       </p:sp>
+      <p:sp>
+        <p:nvSpPr>
+          <p:cNvPr id="87" name="Rounded Rectangle 45">
+            <a:extLst>
+              <a:ext uri="{FF2B5EF4-FFF2-40B4-BE49-F238E27FC236}">
+                <a16:creationId xmlns:a16="http://schemas.microsoft.com/office/drawing/2014/main" id="{E1613751-72B4-4595-9A3B-92422FC60126}"/>
+              </a:ext>
+            </a:extLst>
+          </p:cNvPr>
+          <p:cNvSpPr/>
+          <p:nvPr/>
+        </p:nvSpPr>
+        <p:spPr>
+          <a:xfrm>
+            <a:off x="1782158" y="4746472"/>
+            <a:ext cx="1124607" cy="624058"/>
+          </a:xfrm>
+          <a:prstGeom prst="roundRect">
+            <a:avLst>
+              <a:gd name="adj" fmla="val 9350"/>
+            </a:avLst>
+          </a:prstGeom>
+          <a:solidFill>
+            <a:schemeClr val="bg1"/>
+          </a:solidFill>
+          <a:ln>
+            <a:solidFill>
+              <a:schemeClr val="bg1">
+                <a:lumMod val="65000"/>
+              </a:schemeClr>
+            </a:solidFill>
+          </a:ln>
+        </p:spPr>
+        <p:style>
+          <a:lnRef idx="2">
+            <a:schemeClr val="accent1">
+              <a:shade val="50000"/>
+            </a:schemeClr>
+          </a:lnRef>
+          <a:fillRef idx="1">
+            <a:schemeClr val="accent1"/>
+          </a:fillRef>
+          <a:effectRef idx="0">
+            <a:schemeClr val="accent1"/>
+          </a:effectRef>
+          <a:fontRef idx="minor">
+            <a:schemeClr val="lt1"/>
+          </a:fontRef>
+        </p:style>
+        <p:txBody>
+          <a:bodyPr rtlCol="0" anchor="ctr"/>
+          <a:lstStyle/>
+          <a:p>
+            <a:pPr algn="ctr"/>
+            <a:r>
+              <a:rPr lang="en-US" sz="800" b="1" dirty="0" err="1">
+                <a:solidFill>
+                  <a:schemeClr val="bg1">
+                    <a:lumMod val="65000"/>
+                  </a:schemeClr>
+                </a:solidFill>
+              </a:rPr>
+              <a:t>Stephie</a:t>
+            </a:r>
+            <a:r>
+              <a:rPr lang="en-US" sz="800" b="1" dirty="0">
+                <a:solidFill>
+                  <a:schemeClr val="bg1">
+                    <a:lumMod val="65000"/>
+                  </a:schemeClr>
+                </a:solidFill>
+              </a:rPr>
+              <a:t> </a:t>
+            </a:r>
+            <a:r>
+              <a:rPr lang="en-US" sz="800" b="1" dirty="0" err="1">
+                <a:solidFill>
+                  <a:schemeClr val="bg1">
+                    <a:lumMod val="65000"/>
+                  </a:schemeClr>
+                </a:solidFill>
+              </a:rPr>
+              <a:t>Aine</a:t>
+            </a:r>
+            <a:endParaRPr lang="en-US" sz="800" b="1" dirty="0">
+              <a:solidFill>
+                <a:schemeClr val="bg1">
+                  <a:lumMod val="65000"/>
+                </a:schemeClr>
+              </a:solidFill>
+            </a:endParaRPr>
+          </a:p>
+          <a:p>
+            <a:pPr algn="ctr"/>
+            <a:r>
+              <a:rPr lang="en-US" sz="800" dirty="0">
+                <a:solidFill>
+                  <a:schemeClr val="bg1">
+                    <a:lumMod val="65000"/>
+                  </a:schemeClr>
+                </a:solidFill>
+              </a:rPr>
+              <a:t>Medical</a:t>
+            </a:r>
+          </a:p>
+          <a:p>
+            <a:pPr algn="ctr"/>
+            <a:r>
+              <a:rPr lang="en-US" sz="800" dirty="0">
+                <a:solidFill>
+                  <a:schemeClr val="bg1">
+                    <a:lumMod val="65000"/>
+                  </a:schemeClr>
+                </a:solidFill>
+              </a:rPr>
+              <a:t>School Rep</a:t>
+            </a:r>
+          </a:p>
+        </p:txBody>
+      </p:sp>
+      <p:sp>
+        <p:nvSpPr>
+          <p:cNvPr id="88" name="Rounded Rectangle 46">
+            <a:extLst>
+              <a:ext uri="{FF2B5EF4-FFF2-40B4-BE49-F238E27FC236}">
+                <a16:creationId xmlns:a16="http://schemas.microsoft.com/office/drawing/2014/main" id="{A73510AE-438F-40E1-A308-F39C99A796E9}"/>
+              </a:ext>
+            </a:extLst>
+          </p:cNvPr>
+          <p:cNvSpPr/>
+          <p:nvPr/>
+        </p:nvSpPr>
+        <p:spPr>
+          <a:xfrm>
+            <a:off x="155032" y="4743155"/>
+            <a:ext cx="1124607" cy="624058"/>
+          </a:xfrm>
+          <a:prstGeom prst="roundRect">
+            <a:avLst>
+              <a:gd name="adj" fmla="val 9350"/>
+            </a:avLst>
+          </a:prstGeom>
+          <a:solidFill>
+            <a:schemeClr val="bg1"/>
+          </a:solidFill>
+          <a:ln>
+            <a:solidFill>
+              <a:schemeClr val="bg1">
+                <a:lumMod val="65000"/>
+              </a:schemeClr>
+            </a:solidFill>
+          </a:ln>
+        </p:spPr>
+        <p:style>
+          <a:lnRef idx="2">
+            <a:schemeClr val="accent1">
+              <a:shade val="50000"/>
+            </a:schemeClr>
+          </a:lnRef>
+          <a:fillRef idx="1">
+            <a:schemeClr val="accent1"/>
+          </a:fillRef>
+          <a:effectRef idx="0">
+            <a:schemeClr val="accent1"/>
+          </a:effectRef>
+          <a:fontRef idx="minor">
+            <a:schemeClr val="lt1"/>
+          </a:fontRef>
+        </p:style>
+        <p:txBody>
+          <a:bodyPr rtlCol="0" anchor="ctr"/>
+          <a:lstStyle/>
+          <a:p>
+            <a:pPr algn="ctr"/>
+            <a:r>
+              <a:rPr lang="en-US" sz="800" b="1" dirty="0">
+                <a:solidFill>
+                  <a:schemeClr val="bg1">
+                    <a:lumMod val="65000"/>
+                  </a:schemeClr>
+                </a:solidFill>
+              </a:rPr>
+              <a:t>Alastair Davison</a:t>
+            </a:r>
+          </a:p>
+          <a:p>
+            <a:pPr algn="ctr"/>
+            <a:r>
+              <a:rPr lang="en-US" sz="800" dirty="0">
+                <a:solidFill>
+                  <a:schemeClr val="bg1">
+                    <a:lumMod val="65000"/>
+                  </a:schemeClr>
+                </a:solidFill>
+              </a:rPr>
+              <a:t>Engineering</a:t>
+            </a:r>
+          </a:p>
+          <a:p>
+            <a:pPr algn="ctr"/>
+            <a:r>
+              <a:rPr lang="en-US" sz="800" dirty="0">
+                <a:solidFill>
+                  <a:schemeClr val="bg1">
+                    <a:lumMod val="65000"/>
+                  </a:schemeClr>
+                </a:solidFill>
+              </a:rPr>
+              <a:t>School Rep</a:t>
+            </a:r>
+          </a:p>
+        </p:txBody>
+      </p:sp>
+      <p:cxnSp>
+        <p:nvCxnSpPr>
+          <p:cNvPr id="89" name="Straight Connector 88">
+            <a:extLst>
+              <a:ext uri="{FF2B5EF4-FFF2-40B4-BE49-F238E27FC236}">
+                <a16:creationId xmlns:a16="http://schemas.microsoft.com/office/drawing/2014/main" id="{3CC91896-1193-48D0-B737-C79435F19886}"/>
+              </a:ext>
+            </a:extLst>
+          </p:cNvPr>
+          <p:cNvCxnSpPr>
+            <a:cxnSpLocks/>
+          </p:cNvCxnSpPr>
+          <p:nvPr/>
+        </p:nvCxnSpPr>
+        <p:spPr>
+          <a:xfrm flipV="1">
+            <a:off x="1279641" y="5054951"/>
+            <a:ext cx="502519" cy="14"/>
+          </a:xfrm>
+          <a:prstGeom prst="line">
+            <a:avLst/>
+          </a:prstGeom>
+          <a:ln>
+            <a:solidFill>
+              <a:schemeClr val="bg1">
+                <a:lumMod val="50000"/>
+              </a:schemeClr>
+            </a:solidFill>
+            <a:prstDash val="dash"/>
+          </a:ln>
+        </p:spPr>
+        <p:style>
+          <a:lnRef idx="1">
+            <a:schemeClr val="accent1"/>
+          </a:lnRef>
+          <a:fillRef idx="0">
+            <a:schemeClr val="accent1"/>
+          </a:fillRef>
+          <a:effectRef idx="0">
+            <a:schemeClr val="accent1"/>
+          </a:effectRef>
+          <a:fontRef idx="minor">
+            <a:schemeClr val="tx1"/>
+          </a:fontRef>
+        </p:style>
+      </p:cxnSp>
     </p:spTree>
     <p:extLst>
       <p:ext uri="{BB962C8B-B14F-4D97-AF65-F5344CB8AC3E}">
